--- a/Data Visualization.pptx
+++ b/Data Visualization.pptx
@@ -5,13 +5,14 @@
     <p:sldMasterId id="2147483648" r:id="rId1"/>
   </p:sldMasterIdLst>
   <p:sldIdLst>
-    <p:sldId id="260" r:id="rId2"/>
-    <p:sldId id="257" r:id="rId3"/>
-    <p:sldId id="264" r:id="rId4"/>
-    <p:sldId id="263" r:id="rId5"/>
-    <p:sldId id="261" r:id="rId6"/>
-    <p:sldId id="262" r:id="rId7"/>
-    <p:sldId id="265" r:id="rId8"/>
+    <p:sldId id="266" r:id="rId2"/>
+    <p:sldId id="267" r:id="rId3"/>
+    <p:sldId id="268" r:id="rId4"/>
+    <p:sldId id="269" r:id="rId5"/>
+    <p:sldId id="270" r:id="rId6"/>
+    <p:sldId id="271" r:id="rId7"/>
+    <p:sldId id="272" r:id="rId8"/>
+    <p:sldId id="273" r:id="rId9"/>
   </p:sldIdLst>
   <p:sldSz cx="9144000" cy="6858000" type="screen4x3"/>
   <p:notesSz cx="6858000" cy="9144000"/>
@@ -295,7 +296,7 @@
             <a:fld id="{01B41F80-CB50-44AE-8443-B6A662D174DC}" type="datetimeFigureOut">
               <a:rPr lang="en-US" smtClean="0"/>
               <a:pPr/>
-              <a:t>11/8/2019</a:t>
+              <a:t>11/13/2019</a:t>
             </a:fld>
             <a:endParaRPr lang="en-US"/>
           </a:p>
@@ -462,7 +463,7 @@
             <a:fld id="{01B41F80-CB50-44AE-8443-B6A662D174DC}" type="datetimeFigureOut">
               <a:rPr lang="en-US" smtClean="0"/>
               <a:pPr/>
-              <a:t>11/8/2019</a:t>
+              <a:t>11/13/2019</a:t>
             </a:fld>
             <a:endParaRPr lang="en-US"/>
           </a:p>
@@ -639,7 +640,7 @@
             <a:fld id="{01B41F80-CB50-44AE-8443-B6A662D174DC}" type="datetimeFigureOut">
               <a:rPr lang="en-US" smtClean="0"/>
               <a:pPr/>
-              <a:t>11/8/2019</a:t>
+              <a:t>11/13/2019</a:t>
             </a:fld>
             <a:endParaRPr lang="en-US"/>
           </a:p>
@@ -689,6 +690,426 @@
         </p:txBody>
       </p:sp>
     </p:spTree>
+  </p:cSld>
+  <p:clrMapOvr>
+    <a:masterClrMapping/>
+  </p:clrMapOvr>
+</p:sldLayout>
+</file>
+
+<file path=ppt/slideLayouts/slideLayout12.xml><?xml version="1.0" encoding="utf-8"?>
+<p:sldLayout xmlns:a="http://schemas.openxmlformats.org/drawingml/2006/main" xmlns:r="http://schemas.openxmlformats.org/officeDocument/2006/relationships" xmlns:p="http://schemas.openxmlformats.org/presentationml/2006/main" userDrawn="1">
+  <p:cSld name="Cover slide layout">
+    <p:bg>
+      <p:bgPr>
+        <a:blipFill dpi="0" rotWithShape="1">
+          <a:blip r:embed="rId2">
+            <a:lum/>
+          </a:blip>
+          <a:srcRect/>
+          <a:stretch>
+            <a:fillRect/>
+          </a:stretch>
+        </a:blipFill>
+        <a:effectLst/>
+      </p:bgPr>
+    </p:bg>
+    <p:spTree>
+      <p:nvGrpSpPr>
+        <p:cNvPr id="1" name=""/>
+        <p:cNvGrpSpPr/>
+        <p:nvPr/>
+      </p:nvGrpSpPr>
+      <p:grpSpPr>
+        <a:xfrm>
+          <a:off x="0" y="0"/>
+          <a:ext cx="0" cy="0"/>
+          <a:chOff x="0" y="0"/>
+          <a:chExt cx="0" cy="0"/>
+        </a:xfrm>
+      </p:grpSpPr>
+      <p:sp>
+        <p:nvSpPr>
+          <p:cNvPr id="220" name="Rectangle 219">
+            <a:extLst>
+              <a:ext uri="{FF2B5EF4-FFF2-40B4-BE49-F238E27FC236}">
+                <a16:creationId xmlns="" xmlns:a16="http://schemas.microsoft.com/office/drawing/2014/main" id="{E970CBB1-3F25-44EF-A6B8-2219DE80F1E6}"/>
+              </a:ext>
+            </a:extLst>
+          </p:cNvPr>
+          <p:cNvSpPr/>
+          <p:nvPr userDrawn="1"/>
+        </p:nvSpPr>
+        <p:spPr>
+          <a:xfrm>
+            <a:off x="0" y="0"/>
+            <a:ext cx="9144000" cy="6858000"/>
+          </a:xfrm>
+          <a:prstGeom prst="rect">
+            <a:avLst/>
+          </a:prstGeom>
+          <a:solidFill>
+            <a:schemeClr val="accent1">
+              <a:alpha val="56000"/>
+            </a:schemeClr>
+          </a:solidFill>
+          <a:ln>
+            <a:noFill/>
+          </a:ln>
+        </p:spPr>
+        <p:style>
+          <a:lnRef idx="2">
+            <a:schemeClr val="accent1">
+              <a:shade val="50000"/>
+            </a:schemeClr>
+          </a:lnRef>
+          <a:fillRef idx="1">
+            <a:schemeClr val="accent1"/>
+          </a:fillRef>
+          <a:effectRef idx="0">
+            <a:schemeClr val="accent1"/>
+          </a:effectRef>
+          <a:fontRef idx="minor">
+            <a:schemeClr val="lt1"/>
+          </a:fontRef>
+        </p:style>
+        <p:txBody>
+          <a:bodyPr rtlCol="0" anchor="ctr"/>
+          <a:lstStyle/>
+          <a:p>
+            <a:pPr algn="ctr"/>
+            <a:endParaRPr lang="en-US"/>
+          </a:p>
+        </p:txBody>
+      </p:sp>
+      <p:sp>
+        <p:nvSpPr>
+          <p:cNvPr id="221" name="Arc 220">
+            <a:extLst>
+              <a:ext uri="{FF2B5EF4-FFF2-40B4-BE49-F238E27FC236}">
+                <a16:creationId xmlns="" xmlns:a16="http://schemas.microsoft.com/office/drawing/2014/main" id="{32E2B889-41FC-4724-93F6-48A4DEF90230}"/>
+              </a:ext>
+            </a:extLst>
+          </p:cNvPr>
+          <p:cNvSpPr/>
+          <p:nvPr userDrawn="1"/>
+        </p:nvSpPr>
+        <p:spPr>
+          <a:xfrm>
+            <a:off x="6226342" y="-866273"/>
+            <a:ext cx="3050005" cy="4066673"/>
+          </a:xfrm>
+          <a:prstGeom prst="arc">
+            <a:avLst>
+              <a:gd name="adj1" fmla="val 1409913"/>
+              <a:gd name="adj2" fmla="val 12880072"/>
+            </a:avLst>
+          </a:prstGeom>
+          <a:ln w="19050">
+            <a:solidFill>
+              <a:schemeClr val="bg1">
+                <a:alpha val="12000"/>
+              </a:schemeClr>
+            </a:solidFill>
+          </a:ln>
+        </p:spPr>
+        <p:style>
+          <a:lnRef idx="1">
+            <a:schemeClr val="accent1"/>
+          </a:lnRef>
+          <a:fillRef idx="0">
+            <a:schemeClr val="accent1"/>
+          </a:fillRef>
+          <a:effectRef idx="0">
+            <a:schemeClr val="accent1"/>
+          </a:effectRef>
+          <a:fontRef idx="minor">
+            <a:schemeClr val="tx1"/>
+          </a:fontRef>
+        </p:style>
+        <p:txBody>
+          <a:bodyPr rtlCol="0" anchor="ctr"/>
+          <a:lstStyle/>
+          <a:p>
+            <a:pPr algn="ctr"/>
+            <a:endParaRPr lang="en-US"/>
+          </a:p>
+        </p:txBody>
+      </p:sp>
+    </p:spTree>
+    <p:extLst>
+      <p:ext uri="{BB962C8B-B14F-4D97-AF65-F5344CB8AC3E}">
+        <p14:creationId xmlns="" xmlns:p14="http://schemas.microsoft.com/office/powerpoint/2010/main" val="936750200"/>
+      </p:ext>
+    </p:extLst>
+  </p:cSld>
+  <p:clrMapOvr>
+    <a:masterClrMapping/>
+  </p:clrMapOvr>
+</p:sldLayout>
+</file>
+
+<file path=ppt/slideLayouts/slideLayout13.xml><?xml version="1.0" encoding="utf-8"?>
+<p:sldLayout xmlns:a="http://schemas.openxmlformats.org/drawingml/2006/main" xmlns:r="http://schemas.openxmlformats.org/officeDocument/2006/relationships" xmlns:p="http://schemas.openxmlformats.org/presentationml/2006/main" userDrawn="1">
+  <p:cSld name="End slide layout">
+    <p:bg>
+      <p:bgPr>
+        <a:blipFill dpi="0" rotWithShape="1">
+          <a:blip r:embed="rId2">
+            <a:lum/>
+          </a:blip>
+          <a:srcRect/>
+          <a:stretch>
+            <a:fillRect/>
+          </a:stretch>
+        </a:blipFill>
+        <a:effectLst/>
+      </p:bgPr>
+    </p:bg>
+    <p:spTree>
+      <p:nvGrpSpPr>
+        <p:cNvPr id="1" name=""/>
+        <p:cNvGrpSpPr/>
+        <p:nvPr/>
+      </p:nvGrpSpPr>
+      <p:grpSpPr>
+        <a:xfrm>
+          <a:off x="0" y="0"/>
+          <a:ext cx="0" cy="0"/>
+          <a:chOff x="0" y="0"/>
+          <a:chExt cx="0" cy="0"/>
+        </a:xfrm>
+      </p:grpSpPr>
+      <p:sp>
+        <p:nvSpPr>
+          <p:cNvPr id="2" name="Graphic 2">
+            <a:extLst>
+              <a:ext uri="{FF2B5EF4-FFF2-40B4-BE49-F238E27FC236}">
+                <a16:creationId xmlns="" xmlns:a16="http://schemas.microsoft.com/office/drawing/2014/main" id="{C6032FB9-BC74-4D22-9490-C57A3761EB46}"/>
+              </a:ext>
+            </a:extLst>
+          </p:cNvPr>
+          <p:cNvSpPr/>
+          <p:nvPr userDrawn="1"/>
+        </p:nvSpPr>
+        <p:spPr>
+          <a:xfrm flipH="1">
+            <a:off x="2995741" y="809154"/>
+            <a:ext cx="3320837" cy="5323880"/>
+          </a:xfrm>
+          <a:custGeom>
+            <a:avLst/>
+            <a:gdLst>
+              <a:gd name="connsiteX0" fmla="*/ 198332 w 800100"/>
+              <a:gd name="connsiteY0" fmla="*/ 961703 h 962025"/>
+              <a:gd name="connsiteX1" fmla="*/ 646959 w 800100"/>
+              <a:gd name="connsiteY1" fmla="*/ 961703 h 962025"/>
+              <a:gd name="connsiteX2" fmla="*/ 610764 w 800100"/>
+              <a:gd name="connsiteY2" fmla="*/ 885503 h 962025"/>
+              <a:gd name="connsiteX3" fmla="*/ 686964 w 800100"/>
+              <a:gd name="connsiteY3" fmla="*/ 625471 h 962025"/>
+              <a:gd name="connsiteX4" fmla="*/ 786024 w 800100"/>
+              <a:gd name="connsiteY4" fmla="*/ 283523 h 962025"/>
+              <a:gd name="connsiteX5" fmla="*/ 359304 w 800100"/>
+              <a:gd name="connsiteY5" fmla="*/ 14918 h 962025"/>
+              <a:gd name="connsiteX6" fmla="*/ 124037 w 800100"/>
+              <a:gd name="connsiteY6" fmla="*/ 211133 h 962025"/>
+              <a:gd name="connsiteX7" fmla="*/ 116417 w 800100"/>
+              <a:gd name="connsiteY7" fmla="*/ 270188 h 962025"/>
+              <a:gd name="connsiteX8" fmla="*/ 59267 w 800100"/>
+              <a:gd name="connsiteY8" fmla="*/ 367343 h 962025"/>
+              <a:gd name="connsiteX9" fmla="*/ 13547 w 800100"/>
+              <a:gd name="connsiteY9" fmla="*/ 427351 h 962025"/>
+              <a:gd name="connsiteX10" fmla="*/ 24024 w 800100"/>
+              <a:gd name="connsiteY10" fmla="*/ 515933 h 962025"/>
+              <a:gd name="connsiteX11" fmla="*/ 63077 w 800100"/>
+              <a:gd name="connsiteY11" fmla="*/ 552128 h 962025"/>
+              <a:gd name="connsiteX12" fmla="*/ 18309 w 800100"/>
+              <a:gd name="connsiteY12" fmla="*/ 570226 h 962025"/>
+              <a:gd name="connsiteX13" fmla="*/ 30692 w 800100"/>
+              <a:gd name="connsiteY13" fmla="*/ 609278 h 962025"/>
+              <a:gd name="connsiteX14" fmla="*/ 29739 w 800100"/>
+              <a:gd name="connsiteY14" fmla="*/ 673096 h 962025"/>
+              <a:gd name="connsiteX15" fmla="*/ 85937 w 800100"/>
+              <a:gd name="connsiteY15" fmla="*/ 744533 h 962025"/>
+              <a:gd name="connsiteX16" fmla="*/ 225002 w 800100"/>
+              <a:gd name="connsiteY16" fmla="*/ 764536 h 962025"/>
+              <a:gd name="connsiteX17" fmla="*/ 198332 w 800100"/>
+              <a:gd name="connsiteY17" fmla="*/ 961703 h 962025"/>
+            </a:gdLst>
+            <a:ahLst/>
+            <a:cxnLst>
+              <a:cxn ang="0">
+                <a:pos x="connsiteX0" y="connsiteY0"/>
+              </a:cxn>
+              <a:cxn ang="0">
+                <a:pos x="connsiteX1" y="connsiteY1"/>
+              </a:cxn>
+              <a:cxn ang="0">
+                <a:pos x="connsiteX2" y="connsiteY2"/>
+              </a:cxn>
+              <a:cxn ang="0">
+                <a:pos x="connsiteX3" y="connsiteY3"/>
+              </a:cxn>
+              <a:cxn ang="0">
+                <a:pos x="connsiteX4" y="connsiteY4"/>
+              </a:cxn>
+              <a:cxn ang="0">
+                <a:pos x="connsiteX5" y="connsiteY5"/>
+              </a:cxn>
+              <a:cxn ang="0">
+                <a:pos x="connsiteX6" y="connsiteY6"/>
+              </a:cxn>
+              <a:cxn ang="0">
+                <a:pos x="connsiteX7" y="connsiteY7"/>
+              </a:cxn>
+              <a:cxn ang="0">
+                <a:pos x="connsiteX8" y="connsiteY8"/>
+              </a:cxn>
+              <a:cxn ang="0">
+                <a:pos x="connsiteX9" y="connsiteY9"/>
+              </a:cxn>
+              <a:cxn ang="0">
+                <a:pos x="connsiteX10" y="connsiteY10"/>
+              </a:cxn>
+              <a:cxn ang="0">
+                <a:pos x="connsiteX11" y="connsiteY11"/>
+              </a:cxn>
+              <a:cxn ang="0">
+                <a:pos x="connsiteX12" y="connsiteY12"/>
+              </a:cxn>
+              <a:cxn ang="0">
+                <a:pos x="connsiteX13" y="connsiteY13"/>
+              </a:cxn>
+              <a:cxn ang="0">
+                <a:pos x="connsiteX14" y="connsiteY14"/>
+              </a:cxn>
+              <a:cxn ang="0">
+                <a:pos x="connsiteX15" y="connsiteY15"/>
+              </a:cxn>
+              <a:cxn ang="0">
+                <a:pos x="connsiteX16" y="connsiteY16"/>
+              </a:cxn>
+              <a:cxn ang="0">
+                <a:pos x="connsiteX17" y="connsiteY17"/>
+              </a:cxn>
+            </a:cxnLst>
+            <a:rect l="l" t="t" r="r" b="b"/>
+            <a:pathLst>
+              <a:path w="800100" h="962025">
+                <a:moveTo>
+                  <a:pt x="198332" y="961703"/>
+                </a:moveTo>
+                <a:lnTo>
+                  <a:pt x="646959" y="961703"/>
+                </a:lnTo>
+                <a:cubicBezTo>
+                  <a:pt x="633624" y="935986"/>
+                  <a:pt x="619337" y="903601"/>
+                  <a:pt x="610764" y="885503"/>
+                </a:cubicBezTo>
+                <a:cubicBezTo>
+                  <a:pt x="586952" y="829306"/>
+                  <a:pt x="604097" y="706433"/>
+                  <a:pt x="686964" y="625471"/>
+                </a:cubicBezTo>
+                <a:cubicBezTo>
+                  <a:pt x="766022" y="548318"/>
+                  <a:pt x="817457" y="398776"/>
+                  <a:pt x="786024" y="283523"/>
+                </a:cubicBezTo>
+                <a:cubicBezTo>
+                  <a:pt x="734589" y="93023"/>
+                  <a:pt x="563139" y="-25087"/>
+                  <a:pt x="359304" y="14918"/>
+                </a:cubicBezTo>
+                <a:cubicBezTo>
+                  <a:pt x="359304" y="14918"/>
+                  <a:pt x="183092" y="36826"/>
+                  <a:pt x="124037" y="211133"/>
+                </a:cubicBezTo>
+                <a:cubicBezTo>
+                  <a:pt x="124037" y="211133"/>
+                  <a:pt x="114512" y="236851"/>
+                  <a:pt x="116417" y="270188"/>
+                </a:cubicBezTo>
+                <a:cubicBezTo>
+                  <a:pt x="121179" y="323528"/>
+                  <a:pt x="83079" y="354961"/>
+                  <a:pt x="59267" y="367343"/>
+                </a:cubicBezTo>
+                <a:cubicBezTo>
+                  <a:pt x="34502" y="380678"/>
+                  <a:pt x="-9313" y="402586"/>
+                  <a:pt x="13547" y="427351"/>
+                </a:cubicBezTo>
+                <a:cubicBezTo>
+                  <a:pt x="41169" y="457831"/>
+                  <a:pt x="39264" y="496883"/>
+                  <a:pt x="24024" y="515933"/>
+                </a:cubicBezTo>
+                <a:cubicBezTo>
+                  <a:pt x="4974" y="538793"/>
+                  <a:pt x="60219" y="539746"/>
+                  <a:pt x="63077" y="552128"/>
+                </a:cubicBezTo>
+                <a:cubicBezTo>
+                  <a:pt x="65934" y="565463"/>
+                  <a:pt x="22119" y="554986"/>
+                  <a:pt x="18309" y="570226"/>
+                </a:cubicBezTo>
+                <a:cubicBezTo>
+                  <a:pt x="14499" y="586418"/>
+                  <a:pt x="26882" y="590228"/>
+                  <a:pt x="30692" y="609278"/>
+                </a:cubicBezTo>
+                <a:cubicBezTo>
+                  <a:pt x="34502" y="628328"/>
+                  <a:pt x="31644" y="663571"/>
+                  <a:pt x="29739" y="673096"/>
+                </a:cubicBezTo>
+                <a:cubicBezTo>
+                  <a:pt x="27834" y="682621"/>
+                  <a:pt x="33549" y="739771"/>
+                  <a:pt x="85937" y="744533"/>
+                </a:cubicBezTo>
+                <a:cubicBezTo>
+                  <a:pt x="138324" y="749296"/>
+                  <a:pt x="204047" y="738818"/>
+                  <a:pt x="225002" y="764536"/>
+                </a:cubicBezTo>
+                <a:cubicBezTo>
+                  <a:pt x="244052" y="790253"/>
+                  <a:pt x="222144" y="890266"/>
+                  <a:pt x="198332" y="961703"/>
+                </a:cubicBezTo>
+                <a:close/>
+              </a:path>
+            </a:pathLst>
+          </a:custGeom>
+          <a:solidFill>
+            <a:schemeClr val="bg1"/>
+          </a:solidFill>
+          <a:ln w="9525" cap="flat">
+            <a:noFill/>
+            <a:prstDash val="solid"/>
+            <a:miter/>
+          </a:ln>
+        </p:spPr>
+        <p:txBody>
+          <a:bodyPr rtlCol="0" anchor="ctr"/>
+          <a:lstStyle/>
+          <a:p>
+            <a:endParaRPr lang="en-US"/>
+          </a:p>
+        </p:txBody>
+      </p:sp>
+    </p:spTree>
+    <p:extLst>
+      <p:ext uri="{BB962C8B-B14F-4D97-AF65-F5344CB8AC3E}">
+        <p14:creationId xmlns="" xmlns:p14="http://schemas.microsoft.com/office/powerpoint/2010/main" val="2395023768"/>
+      </p:ext>
+    </p:extLst>
   </p:cSld>
   <p:clrMapOvr>
     <a:masterClrMapping/>
@@ -806,7 +1227,7 @@
             <a:fld id="{01B41F80-CB50-44AE-8443-B6A662D174DC}" type="datetimeFigureOut">
               <a:rPr lang="en-US" smtClean="0"/>
               <a:pPr/>
-              <a:t>11/8/2019</a:t>
+              <a:t>11/13/2019</a:t>
             </a:fld>
             <a:endParaRPr lang="en-US"/>
           </a:p>
@@ -1049,7 +1470,7 @@
             <a:fld id="{01B41F80-CB50-44AE-8443-B6A662D174DC}" type="datetimeFigureOut">
               <a:rPr lang="en-US" smtClean="0"/>
               <a:pPr/>
-              <a:t>11/8/2019</a:t>
+              <a:t>11/13/2019</a:t>
             </a:fld>
             <a:endParaRPr lang="en-US"/>
           </a:p>
@@ -1334,7 +1755,7 @@
             <a:fld id="{01B41F80-CB50-44AE-8443-B6A662D174DC}" type="datetimeFigureOut">
               <a:rPr lang="en-US" smtClean="0"/>
               <a:pPr/>
-              <a:t>11/8/2019</a:t>
+              <a:t>11/13/2019</a:t>
             </a:fld>
             <a:endParaRPr lang="en-US"/>
           </a:p>
@@ -1753,7 +2174,7 @@
             <a:fld id="{01B41F80-CB50-44AE-8443-B6A662D174DC}" type="datetimeFigureOut">
               <a:rPr lang="en-US" smtClean="0"/>
               <a:pPr/>
-              <a:t>11/8/2019</a:t>
+              <a:t>11/13/2019</a:t>
             </a:fld>
             <a:endParaRPr lang="en-US"/>
           </a:p>
@@ -1868,7 +2289,7 @@
             <a:fld id="{01B41F80-CB50-44AE-8443-B6A662D174DC}" type="datetimeFigureOut">
               <a:rPr lang="en-US" smtClean="0"/>
               <a:pPr/>
-              <a:t>11/8/2019</a:t>
+              <a:t>11/13/2019</a:t>
             </a:fld>
             <a:endParaRPr lang="en-US"/>
           </a:p>
@@ -1960,7 +2381,7 @@
             <a:fld id="{01B41F80-CB50-44AE-8443-B6A662D174DC}" type="datetimeFigureOut">
               <a:rPr lang="en-US" smtClean="0"/>
               <a:pPr/>
-              <a:t>11/8/2019</a:t>
+              <a:t>11/13/2019</a:t>
             </a:fld>
             <a:endParaRPr lang="en-US"/>
           </a:p>
@@ -2234,7 +2655,7 @@
             <a:fld id="{01B41F80-CB50-44AE-8443-B6A662D174DC}" type="datetimeFigureOut">
               <a:rPr lang="en-US" smtClean="0"/>
               <a:pPr/>
-              <a:t>11/8/2019</a:t>
+              <a:t>11/13/2019</a:t>
             </a:fld>
             <a:endParaRPr lang="en-US"/>
           </a:p>
@@ -2484,7 +2905,7 @@
             <a:fld id="{01B41F80-CB50-44AE-8443-B6A662D174DC}" type="datetimeFigureOut">
               <a:rPr lang="en-US" smtClean="0"/>
               <a:pPr/>
-              <a:t>11/8/2019</a:t>
+              <a:t>11/13/2019</a:t>
             </a:fld>
             <a:endParaRPr lang="en-US"/>
           </a:p>
@@ -2694,7 +3115,7 @@
             <a:fld id="{01B41F80-CB50-44AE-8443-B6A662D174DC}" type="datetimeFigureOut">
               <a:rPr lang="en-US" smtClean="0"/>
               <a:pPr/>
-              <a:t>11/8/2019</a:t>
+              <a:t>11/13/2019</a:t>
             </a:fld>
             <a:endParaRPr lang="en-US"/>
           </a:p>
@@ -2794,6 +3215,8 @@
     <p:sldLayoutId id="2147483657" r:id="rId9"/>
     <p:sldLayoutId id="2147483658" r:id="rId10"/>
     <p:sldLayoutId id="2147483659" r:id="rId11"/>
+    <p:sldLayoutId id="2147483660" r:id="rId12"/>
+    <p:sldLayoutId id="2147483661" r:id="rId13"/>
   </p:sldLayoutIdLst>
   <p:txStyles>
     <p:titleStyle>
@@ -3067,15 +3490,20 @@
       </p:grpSpPr>
       <p:sp>
         <p:nvSpPr>
-          <p:cNvPr id="2" name="Title 1"/>
-          <p:cNvSpPr>
-            <a:spLocks noGrp="1"/>
-          </p:cNvSpPr>
-          <p:nvPr>
-            <p:ph type="title"/>
-          </p:nvPr>
+          <p:cNvPr id="238" name="Title 1"/>
+          <p:cNvSpPr txBox="1">
+            <a:spLocks/>
+          </p:cNvSpPr>
+          <p:nvPr/>
         </p:nvSpPr>
         <p:spPr>
+          <a:xfrm>
+            <a:off x="457200" y="274638"/>
+            <a:ext cx="8229600" cy="1143000"/>
+          </a:xfrm>
+          <a:prstGeom prst="rect">
+            <a:avLst/>
+          </a:prstGeom>
           <a:ln>
             <a:noFill/>
           </a:ln>
@@ -3086,48 +3514,60 @@
           </a:bodyPr>
           <a:lstStyle/>
           <a:p>
-            <a:r>
-              <a:rPr lang="en-US" dirty="0">
-                <a:solidFill>
-                  <a:schemeClr val="accent1"/>
-                </a:solidFill>
+            <a:pPr marL="0" marR="0" lvl="0" indent="0" algn="ctr" defTabSz="914400" rtl="0" eaLnBrk="1" fontAlgn="auto" latinLnBrk="0" hangingPunct="1">
+              <a:lnSpc>
+                <a:spcPct val="100000"/>
+              </a:lnSpc>
+              <a:spcBef>
+                <a:spcPct val="0"/>
+              </a:spcBef>
+              <a:spcAft>
+                <a:spcPts val="0"/>
+              </a:spcAft>
+              <a:buClrTx/>
+              <a:buSzTx/>
+              <a:buFontTx/>
+              <a:buNone/>
+              <a:tabLst/>
+              <a:defRPr/>
+            </a:pPr>
+            <a:r>
+              <a:rPr kumimoji="0" lang="en-US" sz="4400" b="0" i="0" u="none" strike="noStrike" kern="1200" cap="none" spc="0" normalizeH="0" baseline="0" noProof="0" dirty="0" smtClean="0">
+                <a:ln>
+                  <a:noFill/>
+                </a:ln>
+                <a:solidFill>
+                  <a:schemeClr val="bg1"/>
+                </a:solidFill>
+                <a:effectLst/>
+                <a:uLnTx/>
+                <a:uFillTx/>
+                <a:latin typeface="+mj-lt"/>
+                <a:ea typeface="+mj-ea"/>
+                <a:cs typeface="+mj-cs"/>
               </a:rPr>
               <a:t>Welcome</a:t>
             </a:r>
-          </a:p>
-        </p:txBody>
-      </p:sp>
-      <p:pic>
-        <p:nvPicPr>
-          <p:cNvPr id="3077" name="Picture 5" descr="C:\Users\hi\Downloads\IMG-20191022-WA0015.jpg"/>
-          <p:cNvPicPr>
-            <a:picLocks noGrp="1" noChangeAspect="1" noChangeArrowheads="1"/>
-          </p:cNvPicPr>
-          <p:nvPr>
-            <p:ph idx="1"/>
-          </p:nvPr>
-        </p:nvPicPr>
-        <p:blipFill>
-          <a:blip r:embed="rId2"/>
-          <a:srcRect/>
-          <a:stretch>
-            <a:fillRect/>
-          </a:stretch>
-        </p:blipFill>
-        <p:spPr bwMode="auto">
-          <a:xfrm>
-            <a:off x="543326" y="1600200"/>
-            <a:ext cx="8057347" cy="4525963"/>
-          </a:xfrm>
-          <a:prstGeom prst="rect">
-            <a:avLst/>
-          </a:prstGeom>
-          <a:noFill/>
-        </p:spPr>
-      </p:pic>
+            <a:endParaRPr kumimoji="0" lang="en-US" sz="4400" b="0" i="0" u="none" strike="noStrike" kern="1200" cap="none" spc="0" normalizeH="0" baseline="0" noProof="0" dirty="0">
+              <a:ln>
+                <a:noFill/>
+              </a:ln>
+              <a:solidFill>
+                <a:schemeClr val="bg1"/>
+              </a:solidFill>
+              <a:effectLst/>
+              <a:uLnTx/>
+              <a:uFillTx/>
+              <a:latin typeface="+mj-lt"/>
+              <a:ea typeface="+mj-ea"/>
+              <a:cs typeface="+mj-cs"/>
+            </a:endParaRPr>
+          </a:p>
+        </p:txBody>
+      </p:sp>
       <p:cxnSp>
         <p:nvCxnSpPr>
-          <p:cNvPr id="11" name="Straight Connector 10"/>
+          <p:cNvPr id="240" name="Straight Connector 239"/>
           <p:cNvCxnSpPr/>
           <p:nvPr/>
         </p:nvCxnSpPr>
@@ -3157,7 +3597,40 @@
       </p:cxnSp>
       <p:pic>
         <p:nvPicPr>
-          <p:cNvPr id="3083" name="Picture 11"/>
+          <p:cNvPr id="1026" name="Picture 2"/>
+          <p:cNvPicPr>
+            <a:picLocks noChangeAspect="1" noChangeArrowheads="1"/>
+          </p:cNvPicPr>
+          <p:nvPr/>
+        </p:nvPicPr>
+        <p:blipFill>
+          <a:blip r:embed="rId2"/>
+          <a:srcRect/>
+          <a:stretch>
+            <a:fillRect/>
+          </a:stretch>
+        </p:blipFill>
+        <p:spPr bwMode="auto">
+          <a:xfrm>
+            <a:off x="381000" y="2133600"/>
+            <a:ext cx="7715250" cy="1866900"/>
+          </a:xfrm>
+          <a:prstGeom prst="rect">
+            <a:avLst/>
+          </a:prstGeom>
+          <a:noFill/>
+          <a:ln w="9525">
+            <a:noFill/>
+            <a:miter lim="800000"/>
+            <a:headEnd/>
+            <a:tailEnd/>
+          </a:ln>
+          <a:effectLst/>
+        </p:spPr>
+      </p:pic>
+      <p:pic>
+        <p:nvPicPr>
+          <p:cNvPr id="6" name="Picture 9" descr="C:\Users\hi\Desktop\1.png"/>
           <p:cNvPicPr>
             <a:picLocks noChangeAspect="1" noChangeArrowheads="1"/>
           </p:cNvPicPr>
@@ -3172,23 +3645,47 @@
         </p:blipFill>
         <p:spPr bwMode="auto">
           <a:xfrm>
-            <a:off x="6819900" y="5867400"/>
-            <a:ext cx="2324100" cy="990600"/>
+            <a:off x="7772400" y="5867400"/>
+            <a:ext cx="523875" cy="523875"/>
           </a:xfrm>
           <a:prstGeom prst="rect">
             <a:avLst/>
           </a:prstGeom>
           <a:noFill/>
-          <a:ln w="9525">
-            <a:noFill/>
-            <a:miter lim="800000"/>
-            <a:headEnd/>
-            <a:tailEnd/>
-          </a:ln>
-          <a:effectLst/>
+        </p:spPr>
+      </p:pic>
+      <p:pic>
+        <p:nvPicPr>
+          <p:cNvPr id="7" name="Picture 10" descr="C:\Users\hi\Desktop\2.png"/>
+          <p:cNvPicPr>
+            <a:picLocks noChangeAspect="1" noChangeArrowheads="1"/>
+          </p:cNvPicPr>
+          <p:nvPr/>
+        </p:nvPicPr>
+        <p:blipFill>
+          <a:blip r:embed="rId4"/>
+          <a:srcRect/>
+          <a:stretch>
+            <a:fillRect/>
+          </a:stretch>
+        </p:blipFill>
+        <p:spPr bwMode="auto">
+          <a:xfrm>
+            <a:off x="6096000" y="6353175"/>
+            <a:ext cx="2324100" cy="504825"/>
+          </a:xfrm>
+          <a:prstGeom prst="rect">
+            <a:avLst/>
+          </a:prstGeom>
+          <a:noFill/>
         </p:spPr>
       </p:pic>
     </p:spTree>
+    <p:extLst>
+      <p:ext uri="{BB962C8B-B14F-4D97-AF65-F5344CB8AC3E}">
+        <p14:creationId xmlns="" xmlns:p14="http://schemas.microsoft.com/office/powerpoint/2010/main" val="4032476198"/>
+      </p:ext>
+    </p:extLst>
   </p:cSld>
   <p:clrMapOvr>
     <a:masterClrMapping/>
@@ -3220,260 +3717,9 @@
           <a:chExt cx="0" cy="0"/>
         </a:xfrm>
       </p:grpSpPr>
-      <p:sp>
-        <p:nvSpPr>
-          <p:cNvPr id="2" name="Title 1"/>
-          <p:cNvSpPr>
-            <a:spLocks noGrp="1"/>
-          </p:cNvSpPr>
-          <p:nvPr>
-            <p:ph type="title"/>
-          </p:nvPr>
-        </p:nvSpPr>
-        <p:spPr/>
-        <p:txBody>
-          <a:bodyPr/>
-          <a:lstStyle/>
-          <a:p>
-            <a:r>
-              <a:rPr lang="en-US" dirty="0" smtClean="0"/>
-              <a:t>Data Science </a:t>
-            </a:r>
-            <a:r>
-              <a:rPr lang="en-US" dirty="0" smtClean="0"/>
-              <a:t>Introduction</a:t>
-            </a:r>
-            <a:endParaRPr lang="en-US" dirty="0"/>
-          </a:p>
-        </p:txBody>
-      </p:sp>
-      <p:sp>
-        <p:nvSpPr>
-          <p:cNvPr id="3" name="Content Placeholder 2"/>
-          <p:cNvSpPr>
-            <a:spLocks noGrp="1"/>
-          </p:cNvSpPr>
-          <p:nvPr>
-            <p:ph idx="1"/>
-          </p:nvPr>
-        </p:nvSpPr>
-        <p:spPr/>
-        <p:txBody>
-          <a:bodyPr>
-            <a:normAutofit/>
-          </a:bodyPr>
-          <a:lstStyle/>
-          <a:p>
-            <a:endParaRPr lang="en-US" sz="2000" dirty="0" smtClean="0">
-              <a:solidFill>
-                <a:schemeClr val="tx2">
-                  <a:lumMod val="75000"/>
-                </a:schemeClr>
-              </a:solidFill>
-            </a:endParaRPr>
-          </a:p>
-          <a:p>
-            <a:endParaRPr lang="en-US" sz="2000" dirty="0" smtClean="0">
-              <a:solidFill>
-                <a:schemeClr val="tx2">
-                  <a:lumMod val="75000"/>
-                </a:schemeClr>
-              </a:solidFill>
-            </a:endParaRPr>
-          </a:p>
-          <a:p>
-            <a:r>
-              <a:rPr lang="en-US" sz="2000" dirty="0" smtClean="0">
-                <a:solidFill>
-                  <a:schemeClr val="tx2">
-                    <a:lumMod val="75000"/>
-                  </a:schemeClr>
-                </a:solidFill>
-              </a:rPr>
-              <a:t>PYTHON</a:t>
-            </a:r>
-            <a:endParaRPr lang="en-US" sz="2000" dirty="0" smtClean="0">
-              <a:solidFill>
-                <a:schemeClr val="tx2">
-                  <a:lumMod val="75000"/>
-                </a:schemeClr>
-              </a:solidFill>
-            </a:endParaRPr>
-          </a:p>
-          <a:p>
-            <a:r>
-              <a:rPr lang="en-US" sz="2000" dirty="0" smtClean="0">
-                <a:solidFill>
-                  <a:schemeClr val="tx2">
-                    <a:lumMod val="75000"/>
-                  </a:schemeClr>
-                </a:solidFill>
-              </a:rPr>
-              <a:t>DATA </a:t>
-            </a:r>
-            <a:r>
-              <a:rPr lang="en-US" sz="2000" dirty="0" smtClean="0">
-                <a:solidFill>
-                  <a:schemeClr val="tx2">
-                    <a:lumMod val="75000"/>
-                  </a:schemeClr>
-                </a:solidFill>
-              </a:rPr>
-              <a:t>VISUALIZATION (</a:t>
-            </a:r>
-            <a:r>
-              <a:rPr lang="en-US" sz="2000" dirty="0" smtClean="0">
-                <a:solidFill>
-                  <a:schemeClr val="tx2">
-                    <a:lumMod val="75000"/>
-                  </a:schemeClr>
-                </a:solidFill>
-              </a:rPr>
-              <a:t>MATPLOTLIB, SEABORN, PANDAS)</a:t>
-            </a:r>
-            <a:endParaRPr lang="en-US" sz="2000" dirty="0" smtClean="0">
-              <a:solidFill>
-                <a:schemeClr val="tx2">
-                  <a:lumMod val="75000"/>
-                </a:schemeClr>
-              </a:solidFill>
-            </a:endParaRPr>
-          </a:p>
-          <a:p>
-            <a:r>
-              <a:rPr lang="en-US" sz="2000" dirty="0" smtClean="0">
-                <a:solidFill>
-                  <a:schemeClr val="tx2">
-                    <a:lumMod val="75000"/>
-                  </a:schemeClr>
-                </a:solidFill>
-              </a:rPr>
-              <a:t>EXPLORATORY DATA ANALYSIS (EDA</a:t>
-            </a:r>
-            <a:r>
-              <a:rPr lang="en-US" sz="2000" dirty="0" smtClean="0">
-                <a:solidFill>
-                  <a:schemeClr val="tx2">
-                    <a:lumMod val="75000"/>
-                  </a:schemeClr>
-                </a:solidFill>
-              </a:rPr>
-              <a:t>) (</a:t>
-            </a:r>
-            <a:r>
-              <a:rPr lang="en-US" sz="2000" dirty="0" smtClean="0">
-                <a:solidFill>
-                  <a:schemeClr val="tx2">
-                    <a:lumMod val="75000"/>
-                  </a:schemeClr>
-                </a:solidFill>
-              </a:rPr>
-              <a:t>PANDAS)</a:t>
-            </a:r>
-          </a:p>
-          <a:p>
-            <a:r>
-              <a:rPr lang="en-US" sz="2000" dirty="0" smtClean="0">
-                <a:solidFill>
-                  <a:schemeClr val="tx2">
-                    <a:lumMod val="75000"/>
-                  </a:schemeClr>
-                </a:solidFill>
-              </a:rPr>
-              <a:t>MACHINE LEARNING </a:t>
-            </a:r>
-            <a:r>
-              <a:rPr lang="en-US" sz="2000" dirty="0" smtClean="0">
-                <a:solidFill>
-                  <a:schemeClr val="tx2">
-                    <a:lumMod val="75000"/>
-                  </a:schemeClr>
-                </a:solidFill>
-              </a:rPr>
-              <a:t> ALGORITHMS (SCIPY</a:t>
-            </a:r>
-            <a:r>
-              <a:rPr lang="en-US" sz="2000" dirty="0" smtClean="0">
-                <a:solidFill>
-                  <a:schemeClr val="tx2">
-                    <a:lumMod val="75000"/>
-                  </a:schemeClr>
-                </a:solidFill>
-              </a:rPr>
-              <a:t>, SCIKIT-LEARN, NUMPY, STATISTICS, NLP AND NLTK)</a:t>
-            </a:r>
-          </a:p>
-          <a:p>
-            <a:endParaRPr lang="en-US" sz="2000" dirty="0" smtClean="0">
-              <a:solidFill>
-                <a:schemeClr val="tx2">
-                  <a:lumMod val="75000"/>
-                </a:schemeClr>
-              </a:solidFill>
-            </a:endParaRPr>
-          </a:p>
-          <a:p>
-            <a:pPr>
-              <a:buNone/>
-            </a:pPr>
-            <a:endParaRPr lang="en-US" sz="2000" dirty="0" smtClean="0">
-              <a:solidFill>
-                <a:schemeClr val="tx2">
-                  <a:lumMod val="75000"/>
-                </a:schemeClr>
-              </a:solidFill>
-            </a:endParaRPr>
-          </a:p>
-          <a:p>
-            <a:endParaRPr lang="en-US" sz="2000" dirty="0" smtClean="0">
-              <a:solidFill>
-                <a:schemeClr val="tx2">
-                  <a:lumMod val="75000"/>
-                </a:schemeClr>
-              </a:solidFill>
-            </a:endParaRPr>
-          </a:p>
-          <a:p>
-            <a:endParaRPr lang="en-US" sz="2000" dirty="0" smtClean="0">
-              <a:solidFill>
-                <a:schemeClr val="tx2">
-                  <a:lumMod val="75000"/>
-                </a:schemeClr>
-              </a:solidFill>
-            </a:endParaRPr>
-          </a:p>
-          <a:p>
-            <a:endParaRPr lang="en-US" sz="2000" dirty="0" smtClean="0">
-              <a:solidFill>
-                <a:schemeClr val="tx2">
-                  <a:lumMod val="75000"/>
-                </a:schemeClr>
-              </a:solidFill>
-            </a:endParaRPr>
-          </a:p>
-          <a:p>
-            <a:endParaRPr lang="en-US" sz="2000" dirty="0" smtClean="0">
-              <a:solidFill>
-                <a:schemeClr val="tx2">
-                  <a:lumMod val="75000"/>
-                </a:schemeClr>
-              </a:solidFill>
-            </a:endParaRPr>
-          </a:p>
-          <a:p>
-            <a:endParaRPr lang="en-US" sz="2000" dirty="0">
-              <a:solidFill>
-                <a:schemeClr val="tx2">
-                  <a:lumMod val="75000"/>
-                </a:schemeClr>
-              </a:solidFill>
-            </a:endParaRPr>
-          </a:p>
-        </p:txBody>
-      </p:sp>
       <p:cxnSp>
         <p:nvCxnSpPr>
-          <p:cNvPr id="5" name="Straight Connector 4"/>
+          <p:cNvPr id="8" name="Straight Connector 7"/>
           <p:cNvCxnSpPr/>
           <p:nvPr/>
         </p:nvCxnSpPr>
@@ -3485,6 +3731,11 @@
           <a:prstGeom prst="line">
             <a:avLst/>
           </a:prstGeom>
+          <a:ln>
+            <a:solidFill>
+              <a:schemeClr val="tx1"/>
+            </a:solidFill>
+          </a:ln>
         </p:spPr>
         <p:style>
           <a:lnRef idx="1">
@@ -3501,9 +3752,302 @@
           </a:fontRef>
         </p:style>
       </p:cxnSp>
+      <p:sp>
+        <p:nvSpPr>
+          <p:cNvPr id="10" name="Content Placeholder 2"/>
+          <p:cNvSpPr txBox="1">
+            <a:spLocks/>
+          </p:cNvSpPr>
+          <p:nvPr/>
+        </p:nvSpPr>
+        <p:spPr>
+          <a:xfrm>
+            <a:off x="457200" y="1600200"/>
+            <a:ext cx="8229600" cy="4525963"/>
+          </a:xfrm>
+          <a:prstGeom prst="rect">
+            <a:avLst/>
+          </a:prstGeom>
+        </p:spPr>
+        <p:txBody>
+          <a:bodyPr>
+            <a:normAutofit/>
+          </a:bodyPr>
+          <a:lstStyle/>
+          <a:p>
+            <a:endParaRPr lang="en-US" sz="3200" dirty="0" smtClean="0">
+              <a:solidFill>
+                <a:schemeClr val="bg1"/>
+              </a:solidFill>
+            </a:endParaRPr>
+          </a:p>
+          <a:p>
+            <a:pPr>
+              <a:lnSpc>
+                <a:spcPct val="200000"/>
+              </a:lnSpc>
+              <a:buFont typeface="Arial" pitchFamily="34" charset="0"/>
+              <a:buChar char="•"/>
+            </a:pPr>
+            <a:r>
+              <a:rPr lang="en-US" sz="2000" dirty="0" smtClean="0">
+                <a:solidFill>
+                  <a:schemeClr val="bg1"/>
+                </a:solidFill>
+              </a:rPr>
+              <a:t>PYTHON</a:t>
+            </a:r>
+          </a:p>
+          <a:p>
+            <a:pPr>
+              <a:lnSpc>
+                <a:spcPct val="200000"/>
+              </a:lnSpc>
+              <a:buFont typeface="Arial" pitchFamily="34" charset="0"/>
+              <a:buChar char="•"/>
+            </a:pPr>
+            <a:r>
+              <a:rPr lang="en-US" sz="2000" dirty="0" smtClean="0">
+                <a:solidFill>
+                  <a:schemeClr val="bg1"/>
+                </a:solidFill>
+              </a:rPr>
+              <a:t>DATA VISUALIZATION (MATPLOTLIB, SEABORN, PANDAS)</a:t>
+            </a:r>
+          </a:p>
+          <a:p>
+            <a:pPr>
+              <a:lnSpc>
+                <a:spcPct val="200000"/>
+              </a:lnSpc>
+              <a:buFont typeface="Arial" pitchFamily="34" charset="0"/>
+              <a:buChar char="•"/>
+            </a:pPr>
+            <a:r>
+              <a:rPr lang="en-US" sz="2000" dirty="0" smtClean="0">
+                <a:solidFill>
+                  <a:schemeClr val="bg1"/>
+                </a:solidFill>
+              </a:rPr>
+              <a:t>EXPLORATORY DATA ANALYSIS (EDA) (PANDAS)</a:t>
+            </a:r>
+          </a:p>
+          <a:p>
+            <a:pPr>
+              <a:lnSpc>
+                <a:spcPct val="200000"/>
+              </a:lnSpc>
+              <a:buFont typeface="Arial" pitchFamily="34" charset="0"/>
+              <a:buChar char="•"/>
+            </a:pPr>
+            <a:r>
+              <a:rPr lang="en-US" sz="2000" dirty="0" smtClean="0">
+                <a:solidFill>
+                  <a:schemeClr val="bg1"/>
+                </a:solidFill>
+              </a:rPr>
+              <a:t>MACHINE LEARNING  ALGORITHMS </a:t>
+            </a:r>
+            <a:endParaRPr lang="en-US" sz="2000" dirty="0" smtClean="0">
+              <a:solidFill>
+                <a:schemeClr val="bg1"/>
+              </a:solidFill>
+            </a:endParaRPr>
+          </a:p>
+          <a:p>
+            <a:pPr>
+              <a:lnSpc>
+                <a:spcPct val="200000"/>
+              </a:lnSpc>
+            </a:pPr>
+            <a:r>
+              <a:rPr lang="en-US" sz="2000" dirty="0" smtClean="0">
+                <a:solidFill>
+                  <a:schemeClr val="bg1"/>
+                </a:solidFill>
+              </a:rPr>
+              <a:t>     (</a:t>
+            </a:r>
+            <a:r>
+              <a:rPr lang="en-US" sz="2000" dirty="0" smtClean="0">
+                <a:solidFill>
+                  <a:schemeClr val="bg1"/>
+                </a:solidFill>
+              </a:rPr>
+              <a:t>SCIPY, SCIKIT-LEARN, </a:t>
+            </a:r>
+            <a:r>
+              <a:rPr lang="en-US" sz="2000" dirty="0" smtClean="0">
+                <a:solidFill>
+                  <a:schemeClr val="bg1"/>
+                </a:solidFill>
+              </a:rPr>
+              <a:t>NUMPY,STATISTICS</a:t>
+            </a:r>
+            <a:r>
+              <a:rPr lang="en-US" sz="2000" dirty="0" smtClean="0">
+                <a:solidFill>
+                  <a:schemeClr val="bg1"/>
+                </a:solidFill>
+              </a:rPr>
+              <a:t>, NLP AND NLTK)</a:t>
+            </a:r>
+          </a:p>
+          <a:p>
+            <a:pPr>
+              <a:lnSpc>
+                <a:spcPct val="200000"/>
+              </a:lnSpc>
+              <a:buFont typeface="Arial" pitchFamily="34" charset="0"/>
+              <a:buChar char="•"/>
+            </a:pPr>
+            <a:endParaRPr lang="en-US" sz="3200" dirty="0" smtClean="0">
+              <a:solidFill>
+                <a:schemeClr val="bg1"/>
+              </a:solidFill>
+            </a:endParaRPr>
+          </a:p>
+          <a:p>
+            <a:pPr>
+              <a:lnSpc>
+                <a:spcPct val="200000"/>
+              </a:lnSpc>
+              <a:buFont typeface="Arial" pitchFamily="34" charset="0"/>
+              <a:buChar char="•"/>
+            </a:pPr>
+            <a:endParaRPr lang="en-US" sz="3200" dirty="0" smtClean="0">
+              <a:solidFill>
+                <a:schemeClr val="bg1"/>
+              </a:solidFill>
+            </a:endParaRPr>
+          </a:p>
+          <a:p>
+            <a:pPr>
+              <a:lnSpc>
+                <a:spcPct val="200000"/>
+              </a:lnSpc>
+              <a:buFont typeface="Arial" pitchFamily="34" charset="0"/>
+              <a:buChar char="•"/>
+            </a:pPr>
+            <a:endParaRPr lang="en-US" sz="3200" dirty="0" smtClean="0">
+              <a:solidFill>
+                <a:schemeClr val="bg1"/>
+              </a:solidFill>
+            </a:endParaRPr>
+          </a:p>
+          <a:p>
+            <a:pPr>
+              <a:lnSpc>
+                <a:spcPct val="200000"/>
+              </a:lnSpc>
+              <a:buFont typeface="Arial" pitchFamily="34" charset="0"/>
+              <a:buChar char="•"/>
+            </a:pPr>
+            <a:endParaRPr lang="en-US" sz="3200" dirty="0" smtClean="0">
+              <a:solidFill>
+                <a:schemeClr val="bg1"/>
+              </a:solidFill>
+            </a:endParaRPr>
+          </a:p>
+          <a:p>
+            <a:pPr>
+              <a:lnSpc>
+                <a:spcPct val="200000"/>
+              </a:lnSpc>
+              <a:buFont typeface="Arial" pitchFamily="34" charset="0"/>
+              <a:buChar char="•"/>
+            </a:pPr>
+            <a:endParaRPr lang="en-US" sz="3200" dirty="0" smtClean="0">
+              <a:solidFill>
+                <a:schemeClr val="bg1"/>
+              </a:solidFill>
+            </a:endParaRPr>
+          </a:p>
+          <a:p>
+            <a:pPr>
+              <a:lnSpc>
+                <a:spcPct val="200000"/>
+              </a:lnSpc>
+              <a:buFont typeface="Arial" pitchFamily="34" charset="0"/>
+              <a:buChar char="•"/>
+            </a:pPr>
+            <a:endParaRPr lang="en-US" sz="3200" dirty="0" smtClean="0">
+              <a:solidFill>
+                <a:schemeClr val="bg1"/>
+              </a:solidFill>
+            </a:endParaRPr>
+          </a:p>
+          <a:p>
+            <a:pPr>
+              <a:lnSpc>
+                <a:spcPct val="200000"/>
+              </a:lnSpc>
+              <a:buFont typeface="Arial" pitchFamily="34" charset="0"/>
+              <a:buChar char="•"/>
+            </a:pPr>
+            <a:endParaRPr lang="en-US" sz="3200" dirty="0">
+              <a:solidFill>
+                <a:schemeClr val="bg1"/>
+              </a:solidFill>
+            </a:endParaRPr>
+          </a:p>
+        </p:txBody>
+      </p:sp>
+      <p:sp>
+        <p:nvSpPr>
+          <p:cNvPr id="11" name="Title 1"/>
+          <p:cNvSpPr txBox="1">
+            <a:spLocks/>
+          </p:cNvSpPr>
+          <p:nvPr/>
+        </p:nvSpPr>
+        <p:spPr>
+          <a:xfrm>
+            <a:off x="457200" y="274638"/>
+            <a:ext cx="8229600" cy="1143000"/>
+          </a:xfrm>
+          <a:prstGeom prst="rect">
+            <a:avLst/>
+          </a:prstGeom>
+        </p:spPr>
+        <p:txBody>
+          <a:bodyPr/>
+          <a:lstStyle/>
+          <a:p>
+            <a:pPr lvl="0" algn="ctr">
+              <a:spcBef>
+                <a:spcPct val="0"/>
+              </a:spcBef>
+              <a:defRPr/>
+            </a:pPr>
+            <a:r>
+              <a:rPr lang="en-US" sz="4400" dirty="0" smtClean="0">
+                <a:solidFill>
+                  <a:schemeClr val="bg1"/>
+                </a:solidFill>
+              </a:rPr>
+              <a:t>Data Science Introduction</a:t>
+            </a:r>
+            <a:endParaRPr kumimoji="0" lang="en-US" sz="4400" b="0" i="0" u="none" strike="noStrike" kern="1200" cap="none" spc="0" normalizeH="0" baseline="0" noProof="0" dirty="0">
+              <a:ln>
+                <a:noFill/>
+              </a:ln>
+              <a:solidFill>
+                <a:schemeClr val="bg1"/>
+              </a:solidFill>
+              <a:effectLst/>
+              <a:uLnTx/>
+              <a:uFillTx/>
+              <a:latin typeface="+mj-lt"/>
+              <a:ea typeface="+mj-ea"/>
+              <a:cs typeface="+mj-cs"/>
+            </a:endParaRPr>
+          </a:p>
+        </p:txBody>
+      </p:sp>
       <p:pic>
         <p:nvPicPr>
-          <p:cNvPr id="5122" name="Picture 2"/>
+          <p:cNvPr id="6" name="Picture 9" descr="C:\Users\hi\Desktop\1.png"/>
           <p:cNvPicPr>
             <a:picLocks noChangeAspect="1" noChangeArrowheads="1"/>
           </p:cNvPicPr>
@@ -3518,23 +4062,47 @@
         </p:blipFill>
         <p:spPr bwMode="auto">
           <a:xfrm>
-            <a:off x="6819900" y="5867400"/>
-            <a:ext cx="2324100" cy="990600"/>
+            <a:off x="7772400" y="5867400"/>
+            <a:ext cx="523875" cy="523875"/>
           </a:xfrm>
           <a:prstGeom prst="rect">
             <a:avLst/>
           </a:prstGeom>
           <a:noFill/>
-          <a:ln w="9525">
-            <a:noFill/>
-            <a:miter lim="800000"/>
-            <a:headEnd/>
-            <a:tailEnd/>
-          </a:ln>
-          <a:effectLst/>
+        </p:spPr>
+      </p:pic>
+      <p:pic>
+        <p:nvPicPr>
+          <p:cNvPr id="7" name="Picture 10" descr="C:\Users\hi\Desktop\2.png"/>
+          <p:cNvPicPr>
+            <a:picLocks noChangeAspect="1" noChangeArrowheads="1"/>
+          </p:cNvPicPr>
+          <p:nvPr/>
+        </p:nvPicPr>
+        <p:blipFill>
+          <a:blip r:embed="rId3"/>
+          <a:srcRect/>
+          <a:stretch>
+            <a:fillRect/>
+          </a:stretch>
+        </p:blipFill>
+        <p:spPr bwMode="auto">
+          <a:xfrm>
+            <a:off x="6096000" y="6353175"/>
+            <a:ext cx="2324100" cy="504825"/>
+          </a:xfrm>
+          <a:prstGeom prst="rect">
+            <a:avLst/>
+          </a:prstGeom>
+          <a:noFill/>
         </p:spPr>
       </p:pic>
     </p:spTree>
+    <p:extLst>
+      <p:ext uri="{BB962C8B-B14F-4D97-AF65-F5344CB8AC3E}">
+        <p14:creationId xmlns="" xmlns:p14="http://schemas.microsoft.com/office/powerpoint/2010/main" val="4032476198"/>
+      </p:ext>
+    </p:extLst>
   </p:cSld>
   <p:clrMapOvr>
     <a:masterClrMapping/>
@@ -3566,208 +4134,9 @@
           <a:chExt cx="0" cy="0"/>
         </a:xfrm>
       </p:grpSpPr>
-      <p:sp>
-        <p:nvSpPr>
-          <p:cNvPr id="2" name="Title 1"/>
-          <p:cNvSpPr>
-            <a:spLocks noGrp="1"/>
-          </p:cNvSpPr>
-          <p:nvPr>
-            <p:ph type="title"/>
-          </p:nvPr>
-        </p:nvSpPr>
-        <p:spPr/>
-        <p:txBody>
-          <a:bodyPr>
-            <a:normAutofit/>
-          </a:bodyPr>
-          <a:lstStyle/>
-          <a:p>
-            <a:r>
-              <a:rPr lang="en-US" dirty="0" smtClean="0"/>
-              <a:t>Data Visualization</a:t>
-            </a:r>
-            <a:endParaRPr lang="en-US" dirty="0"/>
-          </a:p>
-        </p:txBody>
-      </p:sp>
-      <p:sp>
-        <p:nvSpPr>
-          <p:cNvPr id="3" name="Content Placeholder 2"/>
-          <p:cNvSpPr>
-            <a:spLocks noGrp="1"/>
-          </p:cNvSpPr>
-          <p:nvPr>
-            <p:ph idx="1"/>
-          </p:nvPr>
-        </p:nvSpPr>
-        <p:spPr/>
-        <p:txBody>
-          <a:bodyPr>
-            <a:normAutofit lnSpcReduction="10000"/>
-          </a:bodyPr>
-          <a:lstStyle/>
-          <a:p>
-            <a:pPr>
-              <a:buNone/>
-            </a:pPr>
-            <a:r>
-              <a:rPr lang="en-US" sz="2000" dirty="0" smtClean="0"/>
-              <a:t>	</a:t>
-            </a:r>
-            <a:r>
-              <a:rPr lang="en-US" sz="2000" dirty="0" smtClean="0">
-                <a:solidFill>
-                  <a:schemeClr val="tx2">
-                    <a:lumMod val="75000"/>
-                  </a:schemeClr>
-                </a:solidFill>
-              </a:rPr>
-              <a:t>Data visualization is the technique to present the data in a pictorial or graphical format. It enables stakeholders and decision makers to analyze data visually. The data in a graphical format allows them to identify new trends and patterns easily.</a:t>
-            </a:r>
-          </a:p>
-          <a:p>
-            <a:pPr>
-              <a:buNone/>
-            </a:pPr>
-            <a:endParaRPr lang="en-US" sz="2000" dirty="0" smtClean="0"/>
-          </a:p>
-          <a:p>
-            <a:r>
-              <a:rPr lang="en-US" sz="2000" dirty="0" smtClean="0">
-                <a:solidFill>
-                  <a:schemeClr val="tx2">
-                    <a:lumMod val="75000"/>
-                  </a:schemeClr>
-                </a:solidFill>
-              </a:rPr>
-              <a:t>considerations  : </a:t>
-            </a:r>
-          </a:p>
-          <a:p>
-            <a:pPr marL="1257300" lvl="4" indent="-342900"/>
-            <a:r>
-              <a:rPr lang="en-US" sz="1600" dirty="0" smtClean="0">
-                <a:solidFill>
-                  <a:schemeClr val="tx2">
-                    <a:lumMod val="75000"/>
-                  </a:schemeClr>
-                </a:solidFill>
-              </a:rPr>
-              <a:t>Clarity</a:t>
-            </a:r>
-          </a:p>
-          <a:p>
-            <a:pPr marL="1257300" lvl="4" indent="-342900"/>
-            <a:r>
-              <a:rPr lang="en-US" sz="1600" dirty="0" smtClean="0">
-                <a:solidFill>
-                  <a:schemeClr val="tx2">
-                    <a:lumMod val="75000"/>
-                  </a:schemeClr>
-                </a:solidFill>
-              </a:rPr>
-              <a:t>Accuracy</a:t>
-            </a:r>
-          </a:p>
-          <a:p>
-            <a:pPr marL="1257300" lvl="4" indent="-342900"/>
-            <a:r>
-              <a:rPr lang="en-US" sz="1600" dirty="0" smtClean="0">
-                <a:solidFill>
-                  <a:schemeClr val="tx2">
-                    <a:lumMod val="75000"/>
-                  </a:schemeClr>
-                </a:solidFill>
-              </a:rPr>
-              <a:t>Efficiency</a:t>
-            </a:r>
-          </a:p>
-          <a:p>
-            <a:pPr lvl="2">
-              <a:buNone/>
-            </a:pPr>
-            <a:endParaRPr lang="en-US" sz="1200" dirty="0" smtClean="0"/>
-          </a:p>
-          <a:p>
-            <a:r>
-              <a:rPr lang="en-US" sz="2000" dirty="0" smtClean="0">
-                <a:solidFill>
-                  <a:schemeClr val="tx2">
-                    <a:lumMod val="75000"/>
-                  </a:schemeClr>
-                </a:solidFill>
-              </a:rPr>
-              <a:t>basic factors : </a:t>
-            </a:r>
-          </a:p>
-          <a:p>
-            <a:pPr marL="1257300" lvl="4" indent="-342900"/>
-            <a:r>
-              <a:rPr lang="en-US" sz="1600" dirty="0" smtClean="0">
-                <a:solidFill>
-                  <a:schemeClr val="tx2">
-                    <a:lumMod val="75000"/>
-                  </a:schemeClr>
-                </a:solidFill>
-              </a:rPr>
-              <a:t>Visual effect  (shapes, colors, and size)</a:t>
-            </a:r>
-          </a:p>
-          <a:p>
-            <a:pPr marL="1257300" lvl="4" indent="-342900"/>
-            <a:r>
-              <a:rPr lang="en-US" sz="1600" dirty="0" smtClean="0">
-                <a:solidFill>
-                  <a:schemeClr val="tx2">
-                    <a:lumMod val="75000"/>
-                  </a:schemeClr>
-                </a:solidFill>
-              </a:rPr>
-              <a:t>Coordination System (organize the data points within the provided coordinates)</a:t>
-            </a:r>
-          </a:p>
-          <a:p>
-            <a:pPr marL="1257300" lvl="4" indent="-342900"/>
-            <a:r>
-              <a:rPr lang="en-US" sz="1600" dirty="0" smtClean="0">
-                <a:solidFill>
-                  <a:schemeClr val="tx2">
-                    <a:lumMod val="75000"/>
-                  </a:schemeClr>
-                </a:solidFill>
-              </a:rPr>
-              <a:t>Data Types and Scale (numeric or categorical.)</a:t>
-            </a:r>
-          </a:p>
-          <a:p>
-            <a:pPr marL="1257300" lvl="4" indent="-342900"/>
-            <a:r>
-              <a:rPr lang="en-US" sz="1600" dirty="0" smtClean="0">
-                <a:solidFill>
-                  <a:schemeClr val="tx2">
-                    <a:lumMod val="75000"/>
-                  </a:schemeClr>
-                </a:solidFill>
-              </a:rPr>
-              <a:t>Informative Interpretation ( create visuals in an effective and easily interpreted ill manner using labels, title legends, and pointers)</a:t>
-            </a:r>
-          </a:p>
-          <a:p>
-            <a:pPr lvl="1"/>
-            <a:endParaRPr lang="en-US" sz="1600" dirty="0" smtClean="0">
-              <a:solidFill>
-                <a:schemeClr val="tx2">
-                  <a:lumMod val="75000"/>
-                </a:schemeClr>
-              </a:solidFill>
-            </a:endParaRPr>
-          </a:p>
-        </p:txBody>
-      </p:sp>
       <p:cxnSp>
         <p:nvCxnSpPr>
-          <p:cNvPr id="5" name="Straight Connector 4"/>
+          <p:cNvPr id="8" name="Straight Connector 7"/>
           <p:cNvCxnSpPr/>
           <p:nvPr/>
         </p:nvCxnSpPr>
@@ -3779,6 +4148,11 @@
           <a:prstGeom prst="line">
             <a:avLst/>
           </a:prstGeom>
+          <a:ln>
+            <a:solidFill>
+              <a:schemeClr val="tx1"/>
+            </a:solidFill>
+          </a:ln>
         </p:spPr>
         <p:style>
           <a:lnRef idx="1">
@@ -3795,9 +4169,252 @@
           </a:fontRef>
         </p:style>
       </p:cxnSp>
+      <p:sp>
+        <p:nvSpPr>
+          <p:cNvPr id="10" name="Content Placeholder 2"/>
+          <p:cNvSpPr txBox="1">
+            <a:spLocks/>
+          </p:cNvSpPr>
+          <p:nvPr/>
+        </p:nvSpPr>
+        <p:spPr>
+          <a:xfrm>
+            <a:off x="457200" y="1600200"/>
+            <a:ext cx="8229600" cy="4525963"/>
+          </a:xfrm>
+          <a:prstGeom prst="rect">
+            <a:avLst/>
+          </a:prstGeom>
+        </p:spPr>
+        <p:txBody>
+          <a:bodyPr>
+            <a:normAutofit/>
+          </a:bodyPr>
+          <a:lstStyle/>
+          <a:p>
+            <a:pPr>
+              <a:buNone/>
+            </a:pPr>
+            <a:r>
+              <a:rPr lang="en-US" sz="2000" dirty="0" smtClean="0">
+                <a:solidFill>
+                  <a:schemeClr val="bg1"/>
+                </a:solidFill>
+              </a:rPr>
+              <a:t>Data </a:t>
+            </a:r>
+            <a:r>
+              <a:rPr lang="en-US" sz="2000" dirty="0" smtClean="0">
+                <a:solidFill>
+                  <a:schemeClr val="bg1"/>
+                </a:solidFill>
+              </a:rPr>
+              <a:t>visualization is the technique to present the data in a pictorial or graphical format. It enables stakeholders and decision makers to analyze data visually. The data in a graphical format allows them to identify new trends and patterns easily.</a:t>
+            </a:r>
+          </a:p>
+          <a:p>
+            <a:pPr>
+              <a:buNone/>
+            </a:pPr>
+            <a:endParaRPr lang="en-US" sz="2000" dirty="0" smtClean="0">
+              <a:solidFill>
+                <a:schemeClr val="bg1"/>
+              </a:solidFill>
+            </a:endParaRPr>
+          </a:p>
+          <a:p>
+            <a:r>
+              <a:rPr lang="en-US" sz="2000" dirty="0" smtClean="0">
+                <a:solidFill>
+                  <a:schemeClr val="bg1"/>
+                </a:solidFill>
+              </a:rPr>
+              <a:t>considerations  : </a:t>
+            </a:r>
+          </a:p>
+          <a:p>
+            <a:pPr marL="1257300" lvl="4" indent="-342900">
+              <a:buFont typeface="Arial" pitchFamily="34" charset="0"/>
+              <a:buChar char="•"/>
+            </a:pPr>
+            <a:r>
+              <a:rPr lang="en-US" sz="1600" dirty="0" smtClean="0">
+                <a:solidFill>
+                  <a:schemeClr val="bg1"/>
+                </a:solidFill>
+              </a:rPr>
+              <a:t>Clarity</a:t>
+            </a:r>
+          </a:p>
+          <a:p>
+            <a:pPr marL="1257300" lvl="4" indent="-342900">
+              <a:buFont typeface="Arial" pitchFamily="34" charset="0"/>
+              <a:buChar char="•"/>
+            </a:pPr>
+            <a:r>
+              <a:rPr lang="en-US" sz="1600" dirty="0" smtClean="0">
+                <a:solidFill>
+                  <a:schemeClr val="bg1"/>
+                </a:solidFill>
+              </a:rPr>
+              <a:t>Accuracy</a:t>
+            </a:r>
+          </a:p>
+          <a:p>
+            <a:pPr marL="1257300" lvl="4" indent="-342900">
+              <a:buFont typeface="Arial" pitchFamily="34" charset="0"/>
+              <a:buChar char="•"/>
+            </a:pPr>
+            <a:r>
+              <a:rPr lang="en-US" sz="1600" dirty="0" smtClean="0">
+                <a:solidFill>
+                  <a:schemeClr val="bg1"/>
+                </a:solidFill>
+              </a:rPr>
+              <a:t>Efficiency</a:t>
+            </a:r>
+          </a:p>
+          <a:p>
+            <a:pPr lvl="2">
+              <a:buNone/>
+            </a:pPr>
+            <a:endParaRPr lang="en-US" sz="1200" dirty="0" smtClean="0">
+              <a:solidFill>
+                <a:schemeClr val="bg1"/>
+              </a:solidFill>
+            </a:endParaRPr>
+          </a:p>
+          <a:p>
+            <a:r>
+              <a:rPr lang="en-US" sz="2000" dirty="0" smtClean="0">
+                <a:solidFill>
+                  <a:schemeClr val="bg1"/>
+                </a:solidFill>
+              </a:rPr>
+              <a:t>basic factors : </a:t>
+            </a:r>
+          </a:p>
+          <a:p>
+            <a:pPr marL="1257300" lvl="4" indent="-342900">
+              <a:buFont typeface="Arial" pitchFamily="34" charset="0"/>
+              <a:buChar char="•"/>
+            </a:pPr>
+            <a:r>
+              <a:rPr lang="en-US" sz="1600" dirty="0" smtClean="0">
+                <a:solidFill>
+                  <a:schemeClr val="bg1"/>
+                </a:solidFill>
+              </a:rPr>
+              <a:t>Visual effect  (shapes, colors, and size)</a:t>
+            </a:r>
+          </a:p>
+          <a:p>
+            <a:pPr marL="1257300" lvl="4" indent="-342900">
+              <a:buFont typeface="Arial" pitchFamily="34" charset="0"/>
+              <a:buChar char="•"/>
+            </a:pPr>
+            <a:r>
+              <a:rPr lang="en-US" sz="1600" dirty="0" smtClean="0">
+                <a:solidFill>
+                  <a:schemeClr val="bg1"/>
+                </a:solidFill>
+              </a:rPr>
+              <a:t>Coordination System (organize the data points within the provided coordinates)</a:t>
+            </a:r>
+          </a:p>
+          <a:p>
+            <a:pPr marL="1257300" lvl="4" indent="-342900">
+              <a:buFont typeface="Arial" pitchFamily="34" charset="0"/>
+              <a:buChar char="•"/>
+            </a:pPr>
+            <a:r>
+              <a:rPr lang="en-US" sz="1600" dirty="0" smtClean="0">
+                <a:solidFill>
+                  <a:schemeClr val="bg1"/>
+                </a:solidFill>
+              </a:rPr>
+              <a:t>Data Types and Scale (numeric or categorical.)</a:t>
+            </a:r>
+          </a:p>
+          <a:p>
+            <a:pPr marL="1257300" lvl="4" indent="-342900">
+              <a:buFont typeface="Arial" pitchFamily="34" charset="0"/>
+              <a:buChar char="•"/>
+            </a:pPr>
+            <a:r>
+              <a:rPr lang="en-US" sz="1600" dirty="0" smtClean="0">
+                <a:solidFill>
+                  <a:schemeClr val="bg1"/>
+                </a:solidFill>
+              </a:rPr>
+              <a:t>Informative Interpretation ( create visuals in an effective and easily interpreted ill manner using labels, title legends, and pointers)</a:t>
+            </a:r>
+          </a:p>
+          <a:p>
+            <a:pPr lvl="1"/>
+            <a:endParaRPr lang="en-US" sz="1600" dirty="0" smtClean="0">
+              <a:solidFill>
+                <a:schemeClr val="bg1"/>
+              </a:solidFill>
+            </a:endParaRPr>
+          </a:p>
+        </p:txBody>
+      </p:sp>
+      <p:sp>
+        <p:nvSpPr>
+          <p:cNvPr id="11" name="Title 1"/>
+          <p:cNvSpPr txBox="1">
+            <a:spLocks/>
+          </p:cNvSpPr>
+          <p:nvPr/>
+        </p:nvSpPr>
+        <p:spPr>
+          <a:xfrm>
+            <a:off x="457200" y="274638"/>
+            <a:ext cx="8229600" cy="1143000"/>
+          </a:xfrm>
+          <a:prstGeom prst="rect">
+            <a:avLst/>
+          </a:prstGeom>
+        </p:spPr>
+        <p:txBody>
+          <a:bodyPr/>
+          <a:lstStyle/>
+          <a:p>
+            <a:pPr lvl="0" algn="ctr">
+              <a:spcBef>
+                <a:spcPct val="0"/>
+              </a:spcBef>
+              <a:defRPr/>
+            </a:pPr>
+            <a:r>
+              <a:rPr lang="en-US" sz="4400" dirty="0" smtClean="0">
+                <a:solidFill>
+                  <a:schemeClr val="bg1"/>
+                </a:solidFill>
+              </a:rPr>
+              <a:t>Data Visualization</a:t>
+            </a:r>
+            <a:endParaRPr kumimoji="0" lang="en-US" sz="4400" b="0" i="0" u="none" strike="noStrike" kern="1200" cap="none" spc="0" normalizeH="0" baseline="0" noProof="0" dirty="0">
+              <a:ln>
+                <a:noFill/>
+              </a:ln>
+              <a:solidFill>
+                <a:schemeClr val="bg1"/>
+              </a:solidFill>
+              <a:effectLst/>
+              <a:uLnTx/>
+              <a:uFillTx/>
+              <a:latin typeface="+mj-lt"/>
+              <a:ea typeface="+mj-ea"/>
+              <a:cs typeface="+mj-cs"/>
+            </a:endParaRPr>
+          </a:p>
+        </p:txBody>
+      </p:sp>
       <p:pic>
         <p:nvPicPr>
-          <p:cNvPr id="5122" name="Picture 2"/>
+          <p:cNvPr id="6" name="Picture 9" descr="C:\Users\hi\Desktop\1.png"/>
           <p:cNvPicPr>
             <a:picLocks noChangeAspect="1" noChangeArrowheads="1"/>
           </p:cNvPicPr>
@@ -3812,23 +4429,47 @@
         </p:blipFill>
         <p:spPr bwMode="auto">
           <a:xfrm>
-            <a:off x="6819900" y="5867400"/>
-            <a:ext cx="2324100" cy="990600"/>
+            <a:off x="7772400" y="5867400"/>
+            <a:ext cx="523875" cy="523875"/>
           </a:xfrm>
           <a:prstGeom prst="rect">
             <a:avLst/>
           </a:prstGeom>
           <a:noFill/>
-          <a:ln w="9525">
-            <a:noFill/>
-            <a:miter lim="800000"/>
-            <a:headEnd/>
-            <a:tailEnd/>
-          </a:ln>
-          <a:effectLst/>
+        </p:spPr>
+      </p:pic>
+      <p:pic>
+        <p:nvPicPr>
+          <p:cNvPr id="7" name="Picture 10" descr="C:\Users\hi\Desktop\2.png"/>
+          <p:cNvPicPr>
+            <a:picLocks noChangeAspect="1" noChangeArrowheads="1"/>
+          </p:cNvPicPr>
+          <p:nvPr/>
+        </p:nvPicPr>
+        <p:blipFill>
+          <a:blip r:embed="rId3"/>
+          <a:srcRect/>
+          <a:stretch>
+            <a:fillRect/>
+          </a:stretch>
+        </p:blipFill>
+        <p:spPr bwMode="auto">
+          <a:xfrm>
+            <a:off x="6096000" y="6353175"/>
+            <a:ext cx="2324100" cy="504825"/>
+          </a:xfrm>
+          <a:prstGeom prst="rect">
+            <a:avLst/>
+          </a:prstGeom>
+          <a:noFill/>
         </p:spPr>
       </p:pic>
     </p:spTree>
+    <p:extLst>
+      <p:ext uri="{BB962C8B-B14F-4D97-AF65-F5344CB8AC3E}">
+        <p14:creationId xmlns="" xmlns:p14="http://schemas.microsoft.com/office/powerpoint/2010/main" val="4032476198"/>
+      </p:ext>
+    </p:extLst>
   </p:cSld>
   <p:clrMapOvr>
     <a:masterClrMapping/>
@@ -3860,172 +4501,9 @@
           <a:chExt cx="0" cy="0"/>
         </a:xfrm>
       </p:grpSpPr>
-      <p:sp>
-        <p:nvSpPr>
-          <p:cNvPr id="2" name="Title 1"/>
-          <p:cNvSpPr>
-            <a:spLocks noGrp="1"/>
-          </p:cNvSpPr>
-          <p:nvPr>
-            <p:ph type="title"/>
-          </p:nvPr>
-        </p:nvSpPr>
-        <p:spPr/>
-        <p:txBody>
-          <a:bodyPr>
-            <a:normAutofit/>
-          </a:bodyPr>
-          <a:lstStyle/>
-          <a:p>
-            <a:r>
-              <a:rPr lang="en-US" dirty="0" smtClean="0"/>
-              <a:t>Types of Plots</a:t>
-            </a:r>
-            <a:endParaRPr lang="en-US" dirty="0"/>
-          </a:p>
-        </p:txBody>
-      </p:sp>
-      <p:sp>
-        <p:nvSpPr>
-          <p:cNvPr id="3" name="Content Placeholder 2"/>
-          <p:cNvSpPr>
-            <a:spLocks noGrp="1"/>
-          </p:cNvSpPr>
-          <p:nvPr>
-            <p:ph idx="1"/>
-          </p:nvPr>
-        </p:nvSpPr>
-        <p:spPr/>
-        <p:txBody>
-          <a:bodyPr>
-            <a:normAutofit/>
-          </a:bodyPr>
-          <a:lstStyle/>
-          <a:p>
-            <a:endParaRPr lang="en-US" sz="2000" dirty="0" smtClean="0">
-              <a:solidFill>
-                <a:schemeClr val="tx2">
-                  <a:lumMod val="75000"/>
-                </a:schemeClr>
-              </a:solidFill>
-            </a:endParaRPr>
-          </a:p>
-          <a:p>
-            <a:endParaRPr lang="en-US" sz="2000" dirty="0" smtClean="0">
-              <a:solidFill>
-                <a:schemeClr val="tx2">
-                  <a:lumMod val="75000"/>
-                </a:schemeClr>
-              </a:solidFill>
-            </a:endParaRPr>
-          </a:p>
-          <a:p>
-            <a:pPr algn="ctr">
-              <a:buNone/>
-            </a:pPr>
-            <a:r>
-              <a:rPr lang="en-US" sz="2800" dirty="0" smtClean="0">
-                <a:solidFill>
-                  <a:schemeClr val="tx2">
-                    <a:lumMod val="75000"/>
-                  </a:schemeClr>
-                </a:solidFill>
-              </a:rPr>
-              <a:t>Histogram</a:t>
-            </a:r>
-          </a:p>
-          <a:p>
-            <a:pPr algn="ctr">
-              <a:buNone/>
-            </a:pPr>
-            <a:r>
-              <a:rPr lang="en-US" sz="2800" dirty="0" smtClean="0">
-                <a:solidFill>
-                  <a:schemeClr val="tx2">
-                    <a:lumMod val="75000"/>
-                  </a:schemeClr>
-                </a:solidFill>
-              </a:rPr>
-              <a:t>Scatter Plot</a:t>
-            </a:r>
-          </a:p>
-          <a:p>
-            <a:pPr algn="ctr">
-              <a:buNone/>
-            </a:pPr>
-            <a:r>
-              <a:rPr lang="en-US" sz="2800" dirty="0" smtClean="0">
-                <a:solidFill>
-                  <a:schemeClr val="tx2">
-                    <a:lumMod val="75000"/>
-                  </a:schemeClr>
-                </a:solidFill>
-              </a:rPr>
-              <a:t>Heat Map</a:t>
-            </a:r>
-          </a:p>
-          <a:p>
-            <a:pPr algn="ctr">
-              <a:buNone/>
-            </a:pPr>
-            <a:r>
-              <a:rPr lang="en-US" sz="2800" dirty="0" smtClean="0">
-                <a:solidFill>
-                  <a:schemeClr val="tx2">
-                    <a:lumMod val="75000"/>
-                  </a:schemeClr>
-                </a:solidFill>
-              </a:rPr>
-              <a:t>Pie Chart</a:t>
-            </a:r>
-          </a:p>
-          <a:p>
-            <a:pPr algn="ctr">
-              <a:buNone/>
-            </a:pPr>
-            <a:r>
-              <a:rPr lang="en-US" sz="2800" dirty="0" smtClean="0">
-                <a:solidFill>
-                  <a:schemeClr val="tx2">
-                    <a:lumMod val="75000"/>
-                  </a:schemeClr>
-                </a:solidFill>
-              </a:rPr>
-              <a:t>Error Bar</a:t>
-            </a:r>
-          </a:p>
-          <a:p>
-            <a:pPr algn="ctr">
-              <a:buNone/>
-            </a:pPr>
-            <a:r>
-              <a:rPr lang="en-US" sz="2800" dirty="0" smtClean="0">
-                <a:solidFill>
-                  <a:schemeClr val="tx2">
-                    <a:lumMod val="75000"/>
-                  </a:schemeClr>
-                </a:solidFill>
-              </a:rPr>
-              <a:t>&amp; many more</a:t>
-            </a:r>
-          </a:p>
-          <a:p>
-            <a:pPr>
-              <a:buNone/>
-            </a:pPr>
-            <a:endParaRPr lang="en-US" sz="2800" dirty="0" smtClean="0">
-              <a:solidFill>
-                <a:schemeClr val="tx2">
-                  <a:lumMod val="75000"/>
-                </a:schemeClr>
-              </a:solidFill>
-            </a:endParaRPr>
-          </a:p>
-        </p:txBody>
-      </p:sp>
       <p:cxnSp>
         <p:nvCxnSpPr>
-          <p:cNvPr id="5" name="Straight Connector 4"/>
+          <p:cNvPr id="8" name="Straight Connector 7"/>
           <p:cNvCxnSpPr/>
           <p:nvPr/>
         </p:nvCxnSpPr>
@@ -4037,6 +4515,11 @@
           <a:prstGeom prst="line">
             <a:avLst/>
           </a:prstGeom>
+          <a:ln>
+            <a:solidFill>
+              <a:schemeClr val="tx1"/>
+            </a:solidFill>
+          </a:ln>
         </p:spPr>
         <p:style>
           <a:lnRef idx="1">
@@ -4053,9 +4536,243 @@
           </a:fontRef>
         </p:style>
       </p:cxnSp>
+      <p:sp>
+        <p:nvSpPr>
+          <p:cNvPr id="10" name="Content Placeholder 2"/>
+          <p:cNvSpPr txBox="1">
+            <a:spLocks/>
+          </p:cNvSpPr>
+          <p:nvPr/>
+        </p:nvSpPr>
+        <p:spPr>
+          <a:xfrm>
+            <a:off x="457200" y="1600200"/>
+            <a:ext cx="8229600" cy="4525963"/>
+          </a:xfrm>
+          <a:prstGeom prst="rect">
+            <a:avLst/>
+          </a:prstGeom>
+        </p:spPr>
+        <p:txBody>
+          <a:bodyPr>
+            <a:normAutofit/>
+          </a:bodyPr>
+          <a:lstStyle/>
+          <a:p>
+            <a:pPr algn="r">
+              <a:lnSpc>
+                <a:spcPct val="150000"/>
+              </a:lnSpc>
+              <a:buFont typeface="Arial" pitchFamily="34" charset="0"/>
+              <a:buChar char="•"/>
+            </a:pPr>
+            <a:endParaRPr lang="en-US" sz="1600" dirty="0" smtClean="0">
+              <a:solidFill>
+                <a:schemeClr val="bg1"/>
+              </a:solidFill>
+            </a:endParaRPr>
+          </a:p>
+          <a:p>
+            <a:pPr algn="r">
+              <a:lnSpc>
+                <a:spcPct val="150000"/>
+              </a:lnSpc>
+              <a:buFont typeface="Arial" pitchFamily="34" charset="0"/>
+              <a:buChar char="•"/>
+            </a:pPr>
+            <a:endParaRPr lang="en-US" sz="1600" dirty="0" smtClean="0">
+              <a:solidFill>
+                <a:schemeClr val="bg1"/>
+              </a:solidFill>
+            </a:endParaRPr>
+          </a:p>
+          <a:p>
+            <a:pPr algn="r">
+              <a:lnSpc>
+                <a:spcPct val="150000"/>
+              </a:lnSpc>
+              <a:buFont typeface="Arial" pitchFamily="34" charset="0"/>
+              <a:buChar char="•"/>
+            </a:pPr>
+            <a:r>
+              <a:rPr lang="en-US" sz="2000" dirty="0" smtClean="0">
+                <a:solidFill>
+                  <a:schemeClr val="bg1"/>
+                </a:solidFill>
+              </a:rPr>
+              <a:t>Histogram</a:t>
+            </a:r>
+          </a:p>
+          <a:p>
+            <a:pPr algn="r">
+              <a:lnSpc>
+                <a:spcPct val="150000"/>
+              </a:lnSpc>
+              <a:buFont typeface="Arial" pitchFamily="34" charset="0"/>
+              <a:buChar char="•"/>
+            </a:pPr>
+            <a:r>
+              <a:rPr lang="en-US" sz="2000" dirty="0" smtClean="0">
+                <a:solidFill>
+                  <a:schemeClr val="bg1"/>
+                </a:solidFill>
+              </a:rPr>
+              <a:t>Scatter Plot</a:t>
+            </a:r>
+          </a:p>
+          <a:p>
+            <a:pPr algn="r">
+              <a:lnSpc>
+                <a:spcPct val="150000"/>
+              </a:lnSpc>
+              <a:buFont typeface="Arial" pitchFamily="34" charset="0"/>
+              <a:buChar char="•"/>
+            </a:pPr>
+            <a:r>
+              <a:rPr lang="en-US" sz="2000" dirty="0" smtClean="0">
+                <a:solidFill>
+                  <a:schemeClr val="bg1"/>
+                </a:solidFill>
+              </a:rPr>
+              <a:t>Heat </a:t>
+            </a:r>
+            <a:r>
+              <a:rPr lang="en-US" sz="2000" dirty="0" smtClean="0">
+                <a:solidFill>
+                  <a:schemeClr val="bg1"/>
+                </a:solidFill>
+              </a:rPr>
+              <a:t>Map</a:t>
+            </a:r>
+          </a:p>
+          <a:p>
+            <a:pPr algn="r">
+              <a:lnSpc>
+                <a:spcPct val="150000"/>
+              </a:lnSpc>
+              <a:buFont typeface="Arial" pitchFamily="34" charset="0"/>
+              <a:buChar char="•"/>
+            </a:pPr>
+            <a:r>
+              <a:rPr lang="en-US" sz="2000" dirty="0" smtClean="0">
+                <a:solidFill>
+                  <a:schemeClr val="bg1"/>
+                </a:solidFill>
+              </a:rPr>
+              <a:t>Pie Chart</a:t>
+            </a:r>
+          </a:p>
+          <a:p>
+            <a:pPr algn="r">
+              <a:lnSpc>
+                <a:spcPct val="150000"/>
+              </a:lnSpc>
+              <a:buFont typeface="Arial" pitchFamily="34" charset="0"/>
+              <a:buChar char="•"/>
+            </a:pPr>
+            <a:r>
+              <a:rPr lang="en-US" sz="2000" dirty="0" smtClean="0">
+                <a:solidFill>
+                  <a:schemeClr val="bg1"/>
+                </a:solidFill>
+              </a:rPr>
+              <a:t>Error </a:t>
+            </a:r>
+            <a:r>
+              <a:rPr lang="en-US" sz="2000" dirty="0" smtClean="0">
+                <a:solidFill>
+                  <a:schemeClr val="bg1"/>
+                </a:solidFill>
+              </a:rPr>
+              <a:t>Bar</a:t>
+            </a:r>
+          </a:p>
+          <a:p>
+            <a:pPr algn="r">
+              <a:lnSpc>
+                <a:spcPct val="150000"/>
+              </a:lnSpc>
+            </a:pPr>
+            <a:r>
+              <a:rPr lang="en-US" sz="2000" dirty="0" smtClean="0">
+                <a:solidFill>
+                  <a:schemeClr val="bg1"/>
+                </a:solidFill>
+              </a:rPr>
+              <a:t>&amp; many more</a:t>
+            </a:r>
+          </a:p>
+          <a:p>
+            <a:pPr algn="r">
+              <a:lnSpc>
+                <a:spcPct val="150000"/>
+              </a:lnSpc>
+              <a:buFont typeface="Arial" pitchFamily="34" charset="0"/>
+              <a:buChar char="•"/>
+            </a:pPr>
+            <a:endParaRPr lang="en-US" sz="2000" dirty="0" smtClean="0">
+              <a:solidFill>
+                <a:schemeClr val="bg1"/>
+              </a:solidFill>
+            </a:endParaRPr>
+          </a:p>
+        </p:txBody>
+      </p:sp>
+      <p:sp>
+        <p:nvSpPr>
+          <p:cNvPr id="11" name="Title 1"/>
+          <p:cNvSpPr txBox="1">
+            <a:spLocks/>
+          </p:cNvSpPr>
+          <p:nvPr/>
+        </p:nvSpPr>
+        <p:spPr>
+          <a:xfrm>
+            <a:off x="457200" y="274638"/>
+            <a:ext cx="8229600" cy="1143000"/>
+          </a:xfrm>
+          <a:prstGeom prst="rect">
+            <a:avLst/>
+          </a:prstGeom>
+        </p:spPr>
+        <p:txBody>
+          <a:bodyPr/>
+          <a:lstStyle/>
+          <a:p>
+            <a:pPr lvl="0" algn="ctr">
+              <a:spcBef>
+                <a:spcPct val="0"/>
+              </a:spcBef>
+              <a:defRPr/>
+            </a:pPr>
+            <a:r>
+              <a:rPr lang="en-US" sz="4400" dirty="0" smtClean="0">
+                <a:solidFill>
+                  <a:schemeClr val="bg1"/>
+                </a:solidFill>
+              </a:rPr>
+              <a:t>Types of Plots</a:t>
+            </a:r>
+            <a:endParaRPr kumimoji="0" lang="en-US" sz="4400" b="0" i="0" u="none" strike="noStrike" kern="1200" cap="none" spc="0" normalizeH="0" baseline="0" noProof="0" dirty="0">
+              <a:ln>
+                <a:noFill/>
+              </a:ln>
+              <a:solidFill>
+                <a:schemeClr val="bg1"/>
+              </a:solidFill>
+              <a:effectLst/>
+              <a:uLnTx/>
+              <a:uFillTx/>
+              <a:latin typeface="+mj-lt"/>
+              <a:ea typeface="+mj-ea"/>
+              <a:cs typeface="+mj-cs"/>
+            </a:endParaRPr>
+          </a:p>
+        </p:txBody>
+      </p:sp>
       <p:pic>
         <p:nvPicPr>
-          <p:cNvPr id="5122" name="Picture 2"/>
+          <p:cNvPr id="27650" name="Picture 2" descr="https://lh3.googleusercontent.com/E9_5qp5B6HfPnthT2f5iaO8a2oOF98rqKj6V7tF8F81p_XWwWzhJArmQn4wMhYVLiiEakQ=s100"/>
           <p:cNvPicPr>
             <a:picLocks noChangeAspect="1" noChangeArrowheads="1"/>
           </p:cNvPicPr>
@@ -4070,23 +4787,351 @@
         </p:blipFill>
         <p:spPr bwMode="auto">
           <a:xfrm>
-            <a:off x="6819900" y="5867400"/>
-            <a:ext cx="2324100" cy="990600"/>
+            <a:off x="533400" y="1828800"/>
+            <a:ext cx="1613643" cy="1371600"/>
           </a:xfrm>
           <a:prstGeom prst="rect">
             <a:avLst/>
           </a:prstGeom>
           <a:noFill/>
-          <a:ln w="9525">
-            <a:noFill/>
-            <a:miter lim="800000"/>
-            <a:headEnd/>
-            <a:tailEnd/>
-          </a:ln>
-          <a:effectLst/>
+        </p:spPr>
+      </p:pic>
+      <p:pic>
+        <p:nvPicPr>
+          <p:cNvPr id="27652" name="Picture 4" descr="https://lh3.googleusercontent.com/W0ShgpKumaHihuEhnqw3JQhUB5YYsqm4Y6Uu7LxA1_Ehb6WEAYY0s7-6i_7v0_Qc2IKxrw=s136"/>
+          <p:cNvPicPr>
+            <a:picLocks noChangeAspect="1" noChangeArrowheads="1"/>
+          </p:cNvPicPr>
+          <p:nvPr/>
+        </p:nvPicPr>
+        <p:blipFill>
+          <a:blip r:embed="rId3"/>
+          <a:srcRect/>
+          <a:stretch>
+            <a:fillRect/>
+          </a:stretch>
+        </p:blipFill>
+        <p:spPr bwMode="auto">
+          <a:xfrm>
+            <a:off x="4114800" y="1752600"/>
+            <a:ext cx="2194558" cy="1371600"/>
+          </a:xfrm>
+          <a:prstGeom prst="rect">
+            <a:avLst/>
+          </a:prstGeom>
+          <a:noFill/>
+        </p:spPr>
+      </p:pic>
+      <p:pic>
+        <p:nvPicPr>
+          <p:cNvPr id="27654" name="Picture 6" descr="https://lh3.googleusercontent.com/wVkLVTe3qky0o8U1DIud1tOp4h_A5tM6Y8arPMJEDJie8Nb8NlLTWq5-xj5BlfAqA0TIPQ=s85"/>
+          <p:cNvPicPr>
+            <a:picLocks noChangeAspect="1" noChangeArrowheads="1"/>
+          </p:cNvPicPr>
+          <p:nvPr/>
+        </p:nvPicPr>
+        <p:blipFill>
+          <a:blip r:embed="rId4"/>
+          <a:srcRect/>
+          <a:stretch>
+            <a:fillRect/>
+          </a:stretch>
+        </p:blipFill>
+        <p:spPr bwMode="auto">
+          <a:xfrm>
+            <a:off x="4876800" y="3581400"/>
+            <a:ext cx="1371599" cy="1371600"/>
+          </a:xfrm>
+          <a:prstGeom prst="rect">
+            <a:avLst/>
+          </a:prstGeom>
+          <a:noFill/>
+        </p:spPr>
+      </p:pic>
+      <p:pic>
+        <p:nvPicPr>
+          <p:cNvPr id="27656" name="Picture 8" descr="https://lh3.googleusercontent.com/oFrrYWg0_NVwBttwjFkrlhRrulcMl79OcGfHhRba7dQiSTa7hWMSc8geHWvA-eSkssNZ=s103"/>
+          <p:cNvPicPr>
+            <a:picLocks noChangeAspect="1" noChangeArrowheads="1"/>
+          </p:cNvPicPr>
+          <p:nvPr/>
+        </p:nvPicPr>
+        <p:blipFill>
+          <a:blip r:embed="rId5"/>
+          <a:srcRect/>
+          <a:stretch>
+            <a:fillRect/>
+          </a:stretch>
+        </p:blipFill>
+        <p:spPr bwMode="auto">
+          <a:xfrm>
+            <a:off x="2057400" y="3352800"/>
+            <a:ext cx="1662057" cy="1371600"/>
+          </a:xfrm>
+          <a:prstGeom prst="rect">
+            <a:avLst/>
+          </a:prstGeom>
+          <a:noFill/>
+        </p:spPr>
+      </p:pic>
+      <p:pic>
+        <p:nvPicPr>
+          <p:cNvPr id="27658" name="Picture 10" descr="https://lh3.googleusercontent.com/pd_1pkck1GDZINGWAHOxT5Q9DVGMcm3LDJAoVrNV-c75IlHyiPm058FqJl0AecaxgkR249s=s170"/>
+          <p:cNvPicPr>
+            <a:picLocks noChangeAspect="1" noChangeArrowheads="1"/>
+          </p:cNvPicPr>
+          <p:nvPr/>
+        </p:nvPicPr>
+        <p:blipFill>
+          <a:blip r:embed="rId6"/>
+          <a:srcRect/>
+          <a:stretch>
+            <a:fillRect/>
+          </a:stretch>
+        </p:blipFill>
+        <p:spPr bwMode="auto">
+          <a:xfrm>
+            <a:off x="914400" y="5105400"/>
+            <a:ext cx="3150972" cy="1371600"/>
+          </a:xfrm>
+          <a:prstGeom prst="rect">
+            <a:avLst/>
+          </a:prstGeom>
+          <a:noFill/>
+        </p:spPr>
+      </p:pic>
+      <p:sp>
+        <p:nvSpPr>
+          <p:cNvPr id="14" name="TextBox 13"/>
+          <p:cNvSpPr txBox="1"/>
+          <p:nvPr/>
+        </p:nvSpPr>
+        <p:spPr>
+          <a:xfrm>
+            <a:off x="990600" y="1828800"/>
+            <a:ext cx="1447800" cy="381000"/>
+          </a:xfrm>
+          <a:prstGeom prst="rect">
+            <a:avLst/>
+          </a:prstGeom>
+          <a:noFill/>
+        </p:spPr>
+        <p:txBody>
+          <a:bodyPr wrap="square" rtlCol="0">
+            <a:spAutoFit/>
+          </a:bodyPr>
+          <a:lstStyle/>
+          <a:p>
+            <a:r>
+              <a:rPr lang="en-US" dirty="0" smtClean="0">
+                <a:solidFill>
+                  <a:schemeClr val="bg1"/>
+                </a:solidFill>
+              </a:rPr>
+              <a:t>Histogram</a:t>
+            </a:r>
+            <a:endParaRPr lang="en-US" dirty="0">
+              <a:solidFill>
+                <a:schemeClr val="bg1"/>
+              </a:solidFill>
+            </a:endParaRPr>
+          </a:p>
+        </p:txBody>
+      </p:sp>
+      <p:sp>
+        <p:nvSpPr>
+          <p:cNvPr id="15" name="TextBox 14"/>
+          <p:cNvSpPr txBox="1"/>
+          <p:nvPr/>
+        </p:nvSpPr>
+        <p:spPr>
+          <a:xfrm>
+            <a:off x="3352800" y="2743200"/>
+            <a:ext cx="1447800" cy="369332"/>
+          </a:xfrm>
+          <a:prstGeom prst="rect">
+            <a:avLst/>
+          </a:prstGeom>
+          <a:noFill/>
+        </p:spPr>
+        <p:txBody>
+          <a:bodyPr wrap="square" rtlCol="0">
+            <a:spAutoFit/>
+          </a:bodyPr>
+          <a:lstStyle/>
+          <a:p>
+            <a:r>
+              <a:rPr lang="en-US" dirty="0" smtClean="0"/>
+              <a:t>Scatter </a:t>
+            </a:r>
+            <a:r>
+              <a:rPr lang="en-US" dirty="0" smtClean="0"/>
+              <a:t>Plot</a:t>
+            </a:r>
+            <a:endParaRPr lang="en-US" dirty="0" smtClean="0"/>
+          </a:p>
+        </p:txBody>
+      </p:sp>
+      <p:sp>
+        <p:nvSpPr>
+          <p:cNvPr id="16" name="TextBox 15"/>
+          <p:cNvSpPr txBox="1"/>
+          <p:nvPr/>
+        </p:nvSpPr>
+        <p:spPr>
+          <a:xfrm>
+            <a:off x="3124200" y="4267200"/>
+            <a:ext cx="1447800" cy="369332"/>
+          </a:xfrm>
+          <a:prstGeom prst="rect">
+            <a:avLst/>
+          </a:prstGeom>
+          <a:noFill/>
+        </p:spPr>
+        <p:txBody>
+          <a:bodyPr wrap="square" rtlCol="0">
+            <a:spAutoFit/>
+          </a:bodyPr>
+          <a:lstStyle/>
+          <a:p>
+            <a:r>
+              <a:rPr lang="en-US" dirty="0" smtClean="0"/>
+              <a:t>Pie </a:t>
+            </a:r>
+            <a:r>
+              <a:rPr lang="en-US" dirty="0" smtClean="0"/>
+              <a:t>Chart</a:t>
+            </a:r>
+            <a:endParaRPr lang="en-US" dirty="0" smtClean="0"/>
+          </a:p>
+        </p:txBody>
+      </p:sp>
+      <p:sp>
+        <p:nvSpPr>
+          <p:cNvPr id="17" name="TextBox 16"/>
+          <p:cNvSpPr txBox="1"/>
+          <p:nvPr/>
+        </p:nvSpPr>
+        <p:spPr>
+          <a:xfrm>
+            <a:off x="5181600" y="4495800"/>
+            <a:ext cx="1447800" cy="464871"/>
+          </a:xfrm>
+          <a:prstGeom prst="rect">
+            <a:avLst/>
+          </a:prstGeom>
+          <a:noFill/>
+        </p:spPr>
+        <p:txBody>
+          <a:bodyPr wrap="square" rtlCol="0">
+            <a:spAutoFit/>
+          </a:bodyPr>
+          <a:lstStyle/>
+          <a:p>
+            <a:pPr algn="r">
+              <a:lnSpc>
+                <a:spcPct val="150000"/>
+              </a:lnSpc>
+            </a:pPr>
+            <a:r>
+              <a:rPr lang="en-US" dirty="0" smtClean="0"/>
+              <a:t>Heat Map</a:t>
+            </a:r>
+          </a:p>
+        </p:txBody>
+      </p:sp>
+      <p:sp>
+        <p:nvSpPr>
+          <p:cNvPr id="18" name="TextBox 17"/>
+          <p:cNvSpPr txBox="1"/>
+          <p:nvPr/>
+        </p:nvSpPr>
+        <p:spPr>
+          <a:xfrm>
+            <a:off x="1905000" y="5943600"/>
+            <a:ext cx="1447800" cy="464871"/>
+          </a:xfrm>
+          <a:prstGeom prst="rect">
+            <a:avLst/>
+          </a:prstGeom>
+          <a:noFill/>
+        </p:spPr>
+        <p:txBody>
+          <a:bodyPr wrap="square" rtlCol="0">
+            <a:spAutoFit/>
+          </a:bodyPr>
+          <a:lstStyle/>
+          <a:p>
+            <a:pPr algn="r">
+              <a:lnSpc>
+                <a:spcPct val="150000"/>
+              </a:lnSpc>
+            </a:pPr>
+            <a:r>
+              <a:rPr lang="en-US" dirty="0" smtClean="0"/>
+              <a:t>Error Bar</a:t>
+            </a:r>
+          </a:p>
+        </p:txBody>
+      </p:sp>
+      <p:pic>
+        <p:nvPicPr>
+          <p:cNvPr id="19" name="Picture 9" descr="C:\Users\hi\Desktop\1.png"/>
+          <p:cNvPicPr>
+            <a:picLocks noChangeAspect="1" noChangeArrowheads="1"/>
+          </p:cNvPicPr>
+          <p:nvPr/>
+        </p:nvPicPr>
+        <p:blipFill>
+          <a:blip r:embed="rId7"/>
+          <a:srcRect/>
+          <a:stretch>
+            <a:fillRect/>
+          </a:stretch>
+        </p:blipFill>
+        <p:spPr bwMode="auto">
+          <a:xfrm>
+            <a:off x="7772400" y="5867400"/>
+            <a:ext cx="523875" cy="523875"/>
+          </a:xfrm>
+          <a:prstGeom prst="rect">
+            <a:avLst/>
+          </a:prstGeom>
+          <a:noFill/>
+        </p:spPr>
+      </p:pic>
+      <p:pic>
+        <p:nvPicPr>
+          <p:cNvPr id="20" name="Picture 10" descr="C:\Users\hi\Desktop\2.png"/>
+          <p:cNvPicPr>
+            <a:picLocks noChangeAspect="1" noChangeArrowheads="1"/>
+          </p:cNvPicPr>
+          <p:nvPr/>
+        </p:nvPicPr>
+        <p:blipFill>
+          <a:blip r:embed="rId8"/>
+          <a:srcRect/>
+          <a:stretch>
+            <a:fillRect/>
+          </a:stretch>
+        </p:blipFill>
+        <p:spPr bwMode="auto">
+          <a:xfrm>
+            <a:off x="6096000" y="6353175"/>
+            <a:ext cx="2324100" cy="504825"/>
+          </a:xfrm>
+          <a:prstGeom prst="rect">
+            <a:avLst/>
+          </a:prstGeom>
+          <a:noFill/>
         </p:spPr>
       </p:pic>
     </p:spTree>
+    <p:extLst>
+      <p:ext uri="{BB962C8B-B14F-4D97-AF65-F5344CB8AC3E}">
+        <p14:creationId xmlns="" xmlns:p14="http://schemas.microsoft.com/office/powerpoint/2010/main" val="4032476198"/>
+      </p:ext>
+    </p:extLst>
   </p:cSld>
   <p:clrMapOvr>
     <a:masterClrMapping/>
@@ -4118,271 +5163,9 @@
           <a:chExt cx="0" cy="0"/>
         </a:xfrm>
       </p:grpSpPr>
-      <p:sp>
-        <p:nvSpPr>
-          <p:cNvPr id="2" name="Title 1"/>
-          <p:cNvSpPr>
-            <a:spLocks noGrp="1"/>
-          </p:cNvSpPr>
-          <p:nvPr>
-            <p:ph type="title"/>
-          </p:nvPr>
-        </p:nvSpPr>
-        <p:spPr/>
-        <p:txBody>
-          <a:bodyPr>
-            <a:normAutofit/>
-          </a:bodyPr>
-          <a:lstStyle/>
-          <a:p>
-            <a:r>
-              <a:rPr lang="en-US" dirty="0" smtClean="0"/>
-              <a:t>Data Visualization Libraries</a:t>
-            </a:r>
-            <a:endParaRPr lang="en-US" dirty="0"/>
-          </a:p>
-        </p:txBody>
-      </p:sp>
-      <p:sp>
-        <p:nvSpPr>
-          <p:cNvPr id="3" name="Content Placeholder 2"/>
-          <p:cNvSpPr>
-            <a:spLocks noGrp="1"/>
-          </p:cNvSpPr>
-          <p:nvPr>
-            <p:ph idx="1"/>
-          </p:nvPr>
-        </p:nvSpPr>
-        <p:spPr/>
-        <p:txBody>
-          <a:bodyPr>
-            <a:normAutofit/>
-          </a:bodyPr>
-          <a:lstStyle/>
-          <a:p>
-            <a:endParaRPr lang="en-US" sz="2000" dirty="0" smtClean="0">
-              <a:solidFill>
-                <a:schemeClr val="tx2">
-                  <a:lumMod val="75000"/>
-                </a:schemeClr>
-              </a:solidFill>
-            </a:endParaRPr>
-          </a:p>
-          <a:p>
-            <a:endParaRPr lang="en-US" sz="2000" dirty="0" smtClean="0">
-              <a:solidFill>
-                <a:schemeClr val="tx2">
-                  <a:lumMod val="75000"/>
-                </a:schemeClr>
-              </a:solidFill>
-            </a:endParaRPr>
-          </a:p>
-          <a:p>
-            <a:pPr algn="ctr">
-              <a:buNone/>
-            </a:pPr>
-            <a:r>
-              <a:rPr lang="en-US" sz="2400" dirty="0" err="1" smtClean="0">
-                <a:solidFill>
-                  <a:schemeClr val="tx2">
-                    <a:lumMod val="75000"/>
-                  </a:schemeClr>
-                </a:solidFill>
-              </a:rPr>
-              <a:t>matplotlib</a:t>
-            </a:r>
-            <a:endParaRPr lang="en-US" sz="2400" dirty="0" smtClean="0">
-              <a:solidFill>
-                <a:schemeClr val="tx2">
-                  <a:lumMod val="75000"/>
-                </a:schemeClr>
-              </a:solidFill>
-            </a:endParaRPr>
-          </a:p>
-          <a:p>
-            <a:pPr algn="ctr">
-              <a:buNone/>
-            </a:pPr>
-            <a:r>
-              <a:rPr lang="en-US" sz="2400" dirty="0" err="1" smtClean="0">
-                <a:solidFill>
-                  <a:schemeClr val="tx2">
-                    <a:lumMod val="75000"/>
-                  </a:schemeClr>
-                </a:solidFill>
-              </a:rPr>
-              <a:t>Seaborn</a:t>
-            </a:r>
-            <a:endParaRPr lang="en-US" sz="2400" dirty="0" smtClean="0">
-              <a:solidFill>
-                <a:schemeClr val="tx2">
-                  <a:lumMod val="75000"/>
-                </a:schemeClr>
-              </a:solidFill>
-            </a:endParaRPr>
-          </a:p>
-          <a:p>
-            <a:pPr algn="ctr">
-              <a:buNone/>
-            </a:pPr>
-            <a:r>
-              <a:rPr lang="en-US" sz="2400" dirty="0" smtClean="0">
-                <a:solidFill>
-                  <a:schemeClr val="tx2">
-                    <a:lumMod val="75000"/>
-                  </a:schemeClr>
-                </a:solidFill>
-              </a:rPr>
-              <a:t>Pandas</a:t>
-            </a:r>
-          </a:p>
-          <a:p>
-            <a:pPr algn="ctr">
-              <a:buNone/>
-            </a:pPr>
-            <a:r>
-              <a:rPr lang="en-US" sz="2400" dirty="0" smtClean="0">
-                <a:solidFill>
-                  <a:schemeClr val="tx2">
-                    <a:lumMod val="75000"/>
-                  </a:schemeClr>
-                </a:solidFill>
-              </a:rPr>
-              <a:t> </a:t>
-            </a:r>
-            <a:r>
-              <a:rPr lang="en-US" sz="2400" dirty="0" err="1" smtClean="0">
-                <a:solidFill>
-                  <a:schemeClr val="tx2">
-                    <a:lumMod val="75000"/>
-                  </a:schemeClr>
-                </a:solidFill>
-              </a:rPr>
-              <a:t>Vispy</a:t>
-            </a:r>
-            <a:endParaRPr lang="en-US" sz="2400" dirty="0" smtClean="0">
-              <a:solidFill>
-                <a:schemeClr val="tx2">
-                  <a:lumMod val="75000"/>
-                </a:schemeClr>
-              </a:solidFill>
-            </a:endParaRPr>
-          </a:p>
-          <a:p>
-            <a:pPr algn="ctr">
-              <a:buNone/>
-            </a:pPr>
-            <a:r>
-              <a:rPr lang="en-US" sz="2400" dirty="0" smtClean="0">
-                <a:solidFill>
-                  <a:schemeClr val="tx2">
-                    <a:lumMod val="75000"/>
-                  </a:schemeClr>
-                </a:solidFill>
-              </a:rPr>
-              <a:t> </a:t>
-            </a:r>
-            <a:r>
-              <a:rPr lang="en-US" sz="2400" dirty="0" err="1" smtClean="0">
-                <a:solidFill>
-                  <a:schemeClr val="tx2">
-                    <a:lumMod val="75000"/>
-                  </a:schemeClr>
-                </a:solidFill>
-              </a:rPr>
-              <a:t>bokeh</a:t>
-            </a:r>
-            <a:endParaRPr lang="en-US" sz="2400" dirty="0" smtClean="0">
-              <a:solidFill>
-                <a:schemeClr val="tx2">
-                  <a:lumMod val="75000"/>
-                </a:schemeClr>
-              </a:solidFill>
-            </a:endParaRPr>
-          </a:p>
-          <a:p>
-            <a:pPr algn="ctr">
-              <a:buNone/>
-            </a:pPr>
-            <a:r>
-              <a:rPr lang="en-US" sz="2400" dirty="0" smtClean="0">
-                <a:solidFill>
-                  <a:schemeClr val="tx2">
-                    <a:lumMod val="75000"/>
-                  </a:schemeClr>
-                </a:solidFill>
-              </a:rPr>
-              <a:t> </a:t>
-            </a:r>
-            <a:r>
-              <a:rPr lang="en-US" sz="2400" dirty="0" err="1" smtClean="0">
-                <a:solidFill>
-                  <a:schemeClr val="tx2">
-                    <a:lumMod val="75000"/>
-                  </a:schemeClr>
-                </a:solidFill>
-              </a:rPr>
-              <a:t>pygal</a:t>
-            </a:r>
-            <a:endParaRPr lang="en-US" sz="2400" dirty="0" smtClean="0">
-              <a:solidFill>
-                <a:schemeClr val="tx2">
-                  <a:lumMod val="75000"/>
-                </a:schemeClr>
-              </a:solidFill>
-            </a:endParaRPr>
-          </a:p>
-          <a:p>
-            <a:pPr algn="ctr">
-              <a:buNone/>
-            </a:pPr>
-            <a:r>
-              <a:rPr lang="en-US" sz="2400" dirty="0" smtClean="0">
-                <a:solidFill>
-                  <a:schemeClr val="tx2">
-                    <a:lumMod val="75000"/>
-                  </a:schemeClr>
-                </a:solidFill>
-              </a:rPr>
-              <a:t> folium</a:t>
-            </a:r>
-          </a:p>
-          <a:p>
-            <a:pPr algn="ctr">
-              <a:buNone/>
-            </a:pPr>
-            <a:r>
-              <a:rPr lang="en-US" sz="2400" dirty="0" err="1" smtClean="0">
-                <a:solidFill>
-                  <a:schemeClr val="tx2">
-                    <a:lumMod val="75000"/>
-                  </a:schemeClr>
-                </a:solidFill>
-              </a:rPr>
-              <a:t>Networkx</a:t>
-            </a:r>
-            <a:endParaRPr lang="en-US" sz="2400" dirty="0" smtClean="0">
-              <a:solidFill>
-                <a:schemeClr val="tx2">
-                  <a:lumMod val="75000"/>
-                </a:schemeClr>
-              </a:solidFill>
-            </a:endParaRPr>
-          </a:p>
-          <a:p>
-            <a:endParaRPr lang="en-US" sz="2000" dirty="0" smtClean="0">
-              <a:solidFill>
-                <a:schemeClr val="tx2">
-                  <a:lumMod val="75000"/>
-                </a:schemeClr>
-              </a:solidFill>
-            </a:endParaRPr>
-          </a:p>
-        </p:txBody>
-      </p:sp>
       <p:cxnSp>
         <p:nvCxnSpPr>
-          <p:cNvPr id="5" name="Straight Connector 4"/>
+          <p:cNvPr id="8" name="Straight Connector 7"/>
           <p:cNvCxnSpPr/>
           <p:nvPr/>
         </p:nvCxnSpPr>
@@ -4394,6 +5177,11 @@
           <a:prstGeom prst="line">
             <a:avLst/>
           </a:prstGeom>
+          <a:ln>
+            <a:solidFill>
+              <a:schemeClr val="tx1"/>
+            </a:solidFill>
+          </a:ln>
         </p:spPr>
         <p:style>
           <a:lnRef idx="1">
@@ -4410,9 +5198,303 @@
           </a:fontRef>
         </p:style>
       </p:cxnSp>
+      <p:sp>
+        <p:nvSpPr>
+          <p:cNvPr id="10" name="Content Placeholder 2"/>
+          <p:cNvSpPr txBox="1">
+            <a:spLocks/>
+          </p:cNvSpPr>
+          <p:nvPr/>
+        </p:nvSpPr>
+        <p:spPr>
+          <a:xfrm>
+            <a:off x="4191000" y="1066800"/>
+            <a:ext cx="4953000" cy="4525963"/>
+          </a:xfrm>
+          <a:prstGeom prst="rect">
+            <a:avLst/>
+          </a:prstGeom>
+        </p:spPr>
+        <p:txBody>
+          <a:bodyPr>
+            <a:normAutofit fontScale="92500"/>
+          </a:bodyPr>
+          <a:lstStyle/>
+          <a:p>
+            <a:pPr lvl="8">
+              <a:lnSpc>
+                <a:spcPct val="150000"/>
+              </a:lnSpc>
+              <a:buFont typeface="Arial" pitchFamily="34" charset="0"/>
+              <a:buChar char="•"/>
+            </a:pPr>
+            <a:endParaRPr lang="en-US" sz="1600" dirty="0" smtClean="0">
+              <a:solidFill>
+                <a:schemeClr val="bg1"/>
+              </a:solidFill>
+            </a:endParaRPr>
+          </a:p>
+          <a:p>
+            <a:pPr lvl="8">
+              <a:lnSpc>
+                <a:spcPct val="150000"/>
+              </a:lnSpc>
+              <a:buFont typeface="Arial" pitchFamily="34" charset="0"/>
+              <a:buChar char="•"/>
+            </a:pPr>
+            <a:endParaRPr lang="en-US" sz="1600" dirty="0" smtClean="0">
+              <a:solidFill>
+                <a:schemeClr val="bg1"/>
+              </a:solidFill>
+            </a:endParaRPr>
+          </a:p>
+          <a:p>
+            <a:pPr lvl="8">
+              <a:lnSpc>
+                <a:spcPct val="150000"/>
+              </a:lnSpc>
+              <a:buFont typeface="Arial" pitchFamily="34" charset="0"/>
+              <a:buChar char="•"/>
+            </a:pPr>
+            <a:r>
+              <a:rPr lang="en-US" sz="2000" dirty="0" err="1" smtClean="0">
+                <a:solidFill>
+                  <a:schemeClr val="bg1"/>
+                </a:solidFill>
+              </a:rPr>
+              <a:t>matplotlib</a:t>
+            </a:r>
+            <a:endParaRPr lang="en-US" sz="2000" dirty="0" smtClean="0">
+              <a:solidFill>
+                <a:schemeClr val="bg1"/>
+              </a:solidFill>
+            </a:endParaRPr>
+          </a:p>
+          <a:p>
+            <a:pPr lvl="8">
+              <a:lnSpc>
+                <a:spcPct val="150000"/>
+              </a:lnSpc>
+              <a:buFont typeface="Arial" pitchFamily="34" charset="0"/>
+              <a:buChar char="•"/>
+            </a:pPr>
+            <a:r>
+              <a:rPr lang="en-US" sz="2000" dirty="0" err="1" smtClean="0">
+                <a:solidFill>
+                  <a:schemeClr val="bg1"/>
+                </a:solidFill>
+              </a:rPr>
+              <a:t>Seaborn</a:t>
+            </a:r>
+            <a:endParaRPr lang="en-US" sz="2000" dirty="0" smtClean="0">
+              <a:solidFill>
+                <a:schemeClr val="bg1"/>
+              </a:solidFill>
+            </a:endParaRPr>
+          </a:p>
+          <a:p>
+            <a:pPr lvl="8">
+              <a:lnSpc>
+                <a:spcPct val="150000"/>
+              </a:lnSpc>
+              <a:buFont typeface="Arial" pitchFamily="34" charset="0"/>
+              <a:buChar char="•"/>
+            </a:pPr>
+            <a:r>
+              <a:rPr lang="en-US" sz="2000" dirty="0" smtClean="0">
+                <a:solidFill>
+                  <a:schemeClr val="bg1"/>
+                </a:solidFill>
+              </a:rPr>
+              <a:t>Pandas</a:t>
+            </a:r>
+          </a:p>
+          <a:p>
+            <a:pPr lvl="8">
+              <a:lnSpc>
+                <a:spcPct val="150000"/>
+              </a:lnSpc>
+              <a:buFont typeface="Arial" pitchFamily="34" charset="0"/>
+              <a:buChar char="•"/>
+            </a:pPr>
+            <a:r>
+              <a:rPr lang="en-US" sz="2000" dirty="0" smtClean="0">
+                <a:solidFill>
+                  <a:schemeClr val="bg1"/>
+                </a:solidFill>
+              </a:rPr>
+              <a:t> </a:t>
+            </a:r>
+            <a:r>
+              <a:rPr lang="en-US" sz="2000" dirty="0" err="1" smtClean="0">
+                <a:solidFill>
+                  <a:schemeClr val="bg1"/>
+                </a:solidFill>
+              </a:rPr>
+              <a:t>Vispy</a:t>
+            </a:r>
+            <a:endParaRPr lang="en-US" sz="2000" dirty="0" smtClean="0">
+              <a:solidFill>
+                <a:schemeClr val="bg1"/>
+              </a:solidFill>
+            </a:endParaRPr>
+          </a:p>
+          <a:p>
+            <a:pPr lvl="8">
+              <a:lnSpc>
+                <a:spcPct val="150000"/>
+              </a:lnSpc>
+              <a:buFont typeface="Arial" pitchFamily="34" charset="0"/>
+              <a:buChar char="•"/>
+            </a:pPr>
+            <a:r>
+              <a:rPr lang="en-US" sz="2000" dirty="0" smtClean="0">
+                <a:solidFill>
+                  <a:schemeClr val="bg1"/>
+                </a:solidFill>
+              </a:rPr>
+              <a:t> </a:t>
+            </a:r>
+            <a:r>
+              <a:rPr lang="en-US" sz="2000" dirty="0" err="1" smtClean="0">
+                <a:solidFill>
+                  <a:schemeClr val="bg1"/>
+                </a:solidFill>
+              </a:rPr>
+              <a:t>bokeh</a:t>
+            </a:r>
+            <a:endParaRPr lang="en-US" sz="2000" dirty="0" smtClean="0">
+              <a:solidFill>
+                <a:schemeClr val="bg1"/>
+              </a:solidFill>
+            </a:endParaRPr>
+          </a:p>
+          <a:p>
+            <a:pPr lvl="8">
+              <a:lnSpc>
+                <a:spcPct val="150000"/>
+              </a:lnSpc>
+              <a:buFont typeface="Arial" pitchFamily="34" charset="0"/>
+              <a:buChar char="•"/>
+            </a:pPr>
+            <a:r>
+              <a:rPr lang="en-US" sz="2000" dirty="0" smtClean="0">
+                <a:solidFill>
+                  <a:schemeClr val="bg1"/>
+                </a:solidFill>
+              </a:rPr>
+              <a:t> </a:t>
+            </a:r>
+            <a:r>
+              <a:rPr lang="en-US" sz="2000" dirty="0" err="1" smtClean="0">
+                <a:solidFill>
+                  <a:schemeClr val="bg1"/>
+                </a:solidFill>
+              </a:rPr>
+              <a:t>pygal</a:t>
+            </a:r>
+            <a:endParaRPr lang="en-US" sz="2000" dirty="0" smtClean="0">
+              <a:solidFill>
+                <a:schemeClr val="bg1"/>
+              </a:solidFill>
+            </a:endParaRPr>
+          </a:p>
+          <a:p>
+            <a:pPr lvl="8">
+              <a:lnSpc>
+                <a:spcPct val="150000"/>
+              </a:lnSpc>
+              <a:buFont typeface="Arial" pitchFamily="34" charset="0"/>
+              <a:buChar char="•"/>
+            </a:pPr>
+            <a:r>
+              <a:rPr lang="en-US" sz="2000" dirty="0" smtClean="0">
+                <a:solidFill>
+                  <a:schemeClr val="bg1"/>
+                </a:solidFill>
+              </a:rPr>
+              <a:t> folium</a:t>
+            </a:r>
+          </a:p>
+          <a:p>
+            <a:pPr lvl="8">
+              <a:lnSpc>
+                <a:spcPct val="150000"/>
+              </a:lnSpc>
+              <a:buFont typeface="Arial" pitchFamily="34" charset="0"/>
+              <a:buChar char="•"/>
+            </a:pPr>
+            <a:r>
+              <a:rPr lang="en-US" sz="2000" dirty="0" err="1" smtClean="0">
+                <a:solidFill>
+                  <a:schemeClr val="bg1"/>
+                </a:solidFill>
+              </a:rPr>
+              <a:t>Networkx</a:t>
+            </a:r>
+            <a:endParaRPr lang="en-US" sz="2000" dirty="0" smtClean="0">
+              <a:solidFill>
+                <a:schemeClr val="bg1"/>
+              </a:solidFill>
+            </a:endParaRPr>
+          </a:p>
+        </p:txBody>
+      </p:sp>
+      <p:sp>
+        <p:nvSpPr>
+          <p:cNvPr id="11" name="Title 1"/>
+          <p:cNvSpPr txBox="1">
+            <a:spLocks/>
+          </p:cNvSpPr>
+          <p:nvPr/>
+        </p:nvSpPr>
+        <p:spPr>
+          <a:xfrm>
+            <a:off x="457200" y="274638"/>
+            <a:ext cx="8229600" cy="1143000"/>
+          </a:xfrm>
+          <a:prstGeom prst="rect">
+            <a:avLst/>
+          </a:prstGeom>
+        </p:spPr>
+        <p:txBody>
+          <a:bodyPr/>
+          <a:lstStyle/>
+          <a:p>
+            <a:pPr lvl="0" algn="ctr">
+              <a:spcBef>
+                <a:spcPct val="0"/>
+              </a:spcBef>
+              <a:defRPr/>
+            </a:pPr>
+            <a:r>
+              <a:rPr lang="en-US" sz="4400" dirty="0" smtClean="0">
+                <a:solidFill>
+                  <a:schemeClr val="bg1"/>
+                </a:solidFill>
+              </a:rPr>
+              <a:t>Data Visualization Libraries</a:t>
+            </a:r>
+            <a:endParaRPr kumimoji="0" lang="en-US" sz="4400" b="0" i="0" u="none" strike="noStrike" kern="1200" cap="none" spc="0" normalizeH="0" baseline="0" noProof="0" dirty="0">
+              <a:ln>
+                <a:noFill/>
+              </a:ln>
+              <a:solidFill>
+                <a:schemeClr val="bg1"/>
+              </a:solidFill>
+              <a:effectLst/>
+              <a:uLnTx/>
+              <a:uFillTx/>
+              <a:latin typeface="+mj-lt"/>
+              <a:ea typeface="+mj-ea"/>
+              <a:cs typeface="+mj-cs"/>
+            </a:endParaRPr>
+          </a:p>
+        </p:txBody>
+      </p:sp>
       <p:pic>
         <p:nvPicPr>
-          <p:cNvPr id="5122" name="Picture 2"/>
+          <p:cNvPr id="6" name="Picture 2" descr="https://lh3.googleusercontent.com/O-hbxGD53xSi_JS9j2V5QlQeIwvoJJ3LsBJduxPegPrvtBeSg8hMKUxGpwhLTRGNcmbF9w=s170"/>
           <p:cNvPicPr>
             <a:picLocks noChangeAspect="1" noChangeArrowheads="1"/>
           </p:cNvPicPr>
@@ -4427,8 +5509,34 @@
         </p:blipFill>
         <p:spPr bwMode="auto">
           <a:xfrm>
-            <a:off x="6819900" y="5867400"/>
-            <a:ext cx="2324100" cy="990600"/>
+            <a:off x="380997" y="2362199"/>
+            <a:ext cx="5014451" cy="914400"/>
+          </a:xfrm>
+          <a:prstGeom prst="rect">
+            <a:avLst/>
+          </a:prstGeom>
+          <a:noFill/>
+        </p:spPr>
+      </p:pic>
+      <p:pic>
+        <p:nvPicPr>
+          <p:cNvPr id="7" name="Picture 4"/>
+          <p:cNvPicPr>
+            <a:picLocks noChangeAspect="1" noChangeArrowheads="1"/>
+          </p:cNvPicPr>
+          <p:nvPr/>
+        </p:nvPicPr>
+        <p:blipFill>
+          <a:blip r:embed="rId3"/>
+          <a:srcRect/>
+          <a:stretch>
+            <a:fillRect/>
+          </a:stretch>
+        </p:blipFill>
+        <p:spPr bwMode="auto">
+          <a:xfrm>
+            <a:off x="1981200" y="3886200"/>
+            <a:ext cx="2030600" cy="640080"/>
           </a:xfrm>
           <a:prstGeom prst="rect">
             <a:avLst/>
@@ -4443,7 +5551,90 @@
           <a:effectLst/>
         </p:spPr>
       </p:pic>
+      <p:pic>
+        <p:nvPicPr>
+          <p:cNvPr id="12" name="Picture 8" descr="https://lh3.googleusercontent.com/0_w0WUJ5yIrJ6rjROrNoUaPheqL6w2zvFQJ_kEV0kU98qqYOqvPJtuqURw7YOOSPJO2y=s85"/>
+          <p:cNvPicPr>
+            <a:picLocks noChangeAspect="1" noChangeArrowheads="1"/>
+          </p:cNvPicPr>
+          <p:nvPr/>
+        </p:nvPicPr>
+        <p:blipFill>
+          <a:blip r:embed="rId4"/>
+          <a:srcRect/>
+          <a:stretch>
+            <a:fillRect/>
+          </a:stretch>
+        </p:blipFill>
+        <p:spPr bwMode="auto">
+          <a:xfrm>
+            <a:off x="4495800" y="4114800"/>
+            <a:ext cx="1371599" cy="1371600"/>
+          </a:xfrm>
+          <a:prstGeom prst="rect">
+            <a:avLst/>
+          </a:prstGeom>
+          <a:noFill/>
+        </p:spPr>
+      </p:pic>
+      <p:pic>
+        <p:nvPicPr>
+          <p:cNvPr id="13" name="Picture 9" descr="C:\Users\hi\Desktop\1.png"/>
+          <p:cNvPicPr>
+            <a:picLocks noChangeAspect="1" noChangeArrowheads="1"/>
+          </p:cNvPicPr>
+          <p:nvPr/>
+        </p:nvPicPr>
+        <p:blipFill>
+          <a:blip r:embed="rId5"/>
+          <a:srcRect/>
+          <a:stretch>
+            <a:fillRect/>
+          </a:stretch>
+        </p:blipFill>
+        <p:spPr bwMode="auto">
+          <a:xfrm>
+            <a:off x="7772400" y="5867400"/>
+            <a:ext cx="523875" cy="523875"/>
+          </a:xfrm>
+          <a:prstGeom prst="rect">
+            <a:avLst/>
+          </a:prstGeom>
+          <a:noFill/>
+        </p:spPr>
+      </p:pic>
+      <p:pic>
+        <p:nvPicPr>
+          <p:cNvPr id="14" name="Picture 10" descr="C:\Users\hi\Desktop\2.png"/>
+          <p:cNvPicPr>
+            <a:picLocks noChangeAspect="1" noChangeArrowheads="1"/>
+          </p:cNvPicPr>
+          <p:nvPr/>
+        </p:nvPicPr>
+        <p:blipFill>
+          <a:blip r:embed="rId6"/>
+          <a:srcRect/>
+          <a:stretch>
+            <a:fillRect/>
+          </a:stretch>
+        </p:blipFill>
+        <p:spPr bwMode="auto">
+          <a:xfrm>
+            <a:off x="6096000" y="6353175"/>
+            <a:ext cx="2324100" cy="504825"/>
+          </a:xfrm>
+          <a:prstGeom prst="rect">
+            <a:avLst/>
+          </a:prstGeom>
+          <a:noFill/>
+        </p:spPr>
+      </p:pic>
     </p:spTree>
+    <p:extLst>
+      <p:ext uri="{BB962C8B-B14F-4D97-AF65-F5344CB8AC3E}">
+        <p14:creationId xmlns="" xmlns:p14="http://schemas.microsoft.com/office/powerpoint/2010/main" val="4032476198"/>
+      </p:ext>
+    </p:extLst>
   </p:cSld>
   <p:clrMapOvr>
     <a:masterClrMapping/>
@@ -4475,212 +5666,9 @@
           <a:chExt cx="0" cy="0"/>
         </a:xfrm>
       </p:grpSpPr>
-      <p:sp>
-        <p:nvSpPr>
-          <p:cNvPr id="2" name="Title 1"/>
-          <p:cNvSpPr>
-            <a:spLocks noGrp="1"/>
-          </p:cNvSpPr>
-          <p:nvPr>
-            <p:ph type="title"/>
-          </p:nvPr>
-        </p:nvSpPr>
-        <p:spPr/>
-        <p:txBody>
-          <a:bodyPr>
-            <a:normAutofit/>
-          </a:bodyPr>
-          <a:lstStyle/>
-          <a:p>
-            <a:r>
-              <a:rPr lang="en-US" b="1" dirty="0" err="1" smtClean="0"/>
-              <a:t>Matplotlib</a:t>
-            </a:r>
-            <a:endParaRPr lang="en-US" dirty="0"/>
-          </a:p>
-        </p:txBody>
-      </p:sp>
-      <p:sp>
-        <p:nvSpPr>
-          <p:cNvPr id="3" name="Content Placeholder 2"/>
-          <p:cNvSpPr>
-            <a:spLocks noGrp="1"/>
-          </p:cNvSpPr>
-          <p:nvPr>
-            <p:ph idx="1"/>
-          </p:nvPr>
-        </p:nvSpPr>
-        <p:spPr/>
-        <p:txBody>
-          <a:bodyPr>
-            <a:normAutofit/>
-          </a:bodyPr>
-          <a:lstStyle/>
-          <a:p>
-            <a:pPr>
-              <a:buNone/>
-            </a:pPr>
-            <a:r>
-              <a:rPr lang="en-US" sz="2000" dirty="0" smtClean="0">
-                <a:solidFill>
-                  <a:schemeClr val="tx2">
-                    <a:lumMod val="75000"/>
-                  </a:schemeClr>
-                </a:solidFill>
-              </a:rPr>
-              <a:t>A</a:t>
-            </a:r>
-            <a:r>
-              <a:rPr lang="en-US" sz="2000" dirty="0" smtClean="0">
-                <a:solidFill>
-                  <a:schemeClr val="tx2">
-                    <a:lumMod val="75000"/>
-                  </a:schemeClr>
-                </a:solidFill>
-              </a:rPr>
-              <a:t> </a:t>
-            </a:r>
-            <a:r>
-              <a:rPr lang="en-US" sz="2000" dirty="0" smtClean="0">
-                <a:solidFill>
-                  <a:schemeClr val="tx2">
-                    <a:lumMod val="75000"/>
-                  </a:schemeClr>
-                </a:solidFill>
-              </a:rPr>
-              <a:t>Python 2D plotting library which produces publication quality figures in a variety of hardcopy formats and interactive environments across platforms. </a:t>
-            </a:r>
-          </a:p>
-          <a:p>
-            <a:r>
-              <a:rPr lang="en-US" sz="2000" dirty="0" smtClean="0">
-                <a:solidFill>
-                  <a:schemeClr val="tx2">
-                    <a:lumMod val="75000"/>
-                  </a:schemeClr>
-                </a:solidFill>
-              </a:rPr>
-              <a:t>Various types of data visualization </a:t>
-            </a:r>
-            <a:r>
-              <a:rPr lang="en-US" sz="2000" dirty="0" err="1" smtClean="0">
-                <a:solidFill>
-                  <a:schemeClr val="tx2">
-                    <a:lumMod val="75000"/>
-                  </a:schemeClr>
-                </a:solidFill>
-              </a:rPr>
-              <a:t>matpolotlib</a:t>
-            </a:r>
-            <a:r>
-              <a:rPr lang="en-US" sz="2000" dirty="0" smtClean="0">
-                <a:solidFill>
-                  <a:schemeClr val="tx2">
-                    <a:lumMod val="75000"/>
-                  </a:schemeClr>
-                </a:solidFill>
-              </a:rPr>
-              <a:t> provides are :</a:t>
-            </a:r>
-          </a:p>
-          <a:p>
-            <a:pPr lvl="1"/>
-            <a:r>
-              <a:rPr lang="en-US" sz="1600" dirty="0" smtClean="0">
-                <a:solidFill>
-                  <a:schemeClr val="tx2">
-                    <a:lumMod val="75000"/>
-                  </a:schemeClr>
-                </a:solidFill>
-              </a:rPr>
-              <a:t>Lines, bars and markers</a:t>
-            </a:r>
-          </a:p>
-          <a:p>
-            <a:pPr lvl="1"/>
-            <a:r>
-              <a:rPr lang="en-US" sz="1600" dirty="0" smtClean="0">
-                <a:solidFill>
-                  <a:schemeClr val="tx2">
-                    <a:lumMod val="75000"/>
-                  </a:schemeClr>
-                </a:solidFill>
-              </a:rPr>
-              <a:t>Images, contours &amp; fields</a:t>
-            </a:r>
-          </a:p>
-          <a:p>
-            <a:pPr lvl="1"/>
-            <a:r>
-              <a:rPr lang="en-US" sz="1600" dirty="0" smtClean="0">
-                <a:solidFill>
-                  <a:schemeClr val="tx2">
-                    <a:lumMod val="75000"/>
-                  </a:schemeClr>
-                </a:solidFill>
-              </a:rPr>
-              <a:t>Pie &amp; polar charts</a:t>
-            </a:r>
-          </a:p>
-          <a:p>
-            <a:pPr lvl="1"/>
-            <a:r>
-              <a:rPr lang="en-US" sz="1600" dirty="0" smtClean="0">
-                <a:solidFill>
-                  <a:schemeClr val="tx2">
-                    <a:lumMod val="75000"/>
-                  </a:schemeClr>
-                </a:solidFill>
-              </a:rPr>
-              <a:t>Statistical level Plotting &amp; many more..</a:t>
-            </a:r>
-          </a:p>
-          <a:p>
-            <a:endParaRPr lang="en-US" sz="2000" dirty="0" smtClean="0">
-              <a:solidFill>
-                <a:schemeClr val="tx2">
-                  <a:lumMod val="75000"/>
-                </a:schemeClr>
-              </a:solidFill>
-            </a:endParaRPr>
-          </a:p>
-          <a:p>
-            <a:r>
-              <a:rPr lang="en-US" sz="2000" dirty="0" smtClean="0">
-                <a:solidFill>
-                  <a:schemeClr val="tx2">
-                    <a:lumMod val="75000"/>
-                  </a:schemeClr>
-                </a:solidFill>
-              </a:rPr>
-              <a:t>Visit</a:t>
-            </a:r>
-            <a:r>
-              <a:rPr lang="en-US" sz="2000" dirty="0" smtClean="0"/>
-              <a:t> : </a:t>
-            </a:r>
-            <a:r>
-              <a:rPr lang="en-US" sz="2000" dirty="0" smtClean="0">
-                <a:hlinkClick r:id="rId2"/>
-              </a:rPr>
-              <a:t>https://matplotlib.org/gallery/index.html</a:t>
-            </a:r>
-            <a:endParaRPr lang="en-US" sz="2000" dirty="0" smtClean="0"/>
-          </a:p>
-          <a:p>
-            <a:endParaRPr lang="en-US" sz="2000" dirty="0" smtClean="0">
-              <a:solidFill>
-                <a:schemeClr val="tx2">
-                  <a:lumMod val="75000"/>
-                </a:schemeClr>
-              </a:solidFill>
-            </a:endParaRPr>
-          </a:p>
-        </p:txBody>
-      </p:sp>
       <p:cxnSp>
         <p:nvCxnSpPr>
-          <p:cNvPr id="5" name="Straight Connector 4"/>
+          <p:cNvPr id="8" name="Straight Connector 7"/>
           <p:cNvCxnSpPr/>
           <p:nvPr/>
         </p:nvCxnSpPr>
@@ -4692,6 +5680,11 @@
           <a:prstGeom prst="line">
             <a:avLst/>
           </a:prstGeom>
+          <a:ln>
+            <a:solidFill>
+              <a:schemeClr val="tx1"/>
+            </a:solidFill>
+          </a:ln>
         </p:spPr>
         <p:style>
           <a:lnRef idx="1">
@@ -4708,9 +5701,221 @@
           </a:fontRef>
         </p:style>
       </p:cxnSp>
+      <p:sp>
+        <p:nvSpPr>
+          <p:cNvPr id="10" name="Content Placeholder 2"/>
+          <p:cNvSpPr txBox="1">
+            <a:spLocks/>
+          </p:cNvSpPr>
+          <p:nvPr/>
+        </p:nvSpPr>
+        <p:spPr>
+          <a:xfrm>
+            <a:off x="457200" y="1600200"/>
+            <a:ext cx="8229600" cy="4525963"/>
+          </a:xfrm>
+          <a:prstGeom prst="rect">
+            <a:avLst/>
+          </a:prstGeom>
+        </p:spPr>
+        <p:txBody>
+          <a:bodyPr>
+            <a:normAutofit/>
+          </a:bodyPr>
+          <a:lstStyle/>
+          <a:p>
+            <a:pPr>
+              <a:buNone/>
+            </a:pPr>
+            <a:endParaRPr lang="en-US" sz="2000" dirty="0" smtClean="0">
+              <a:solidFill>
+                <a:schemeClr val="bg1"/>
+              </a:solidFill>
+            </a:endParaRPr>
+          </a:p>
+          <a:p>
+            <a:pPr>
+              <a:buNone/>
+            </a:pPr>
+            <a:endParaRPr lang="en-US" sz="2000" dirty="0" smtClean="0">
+              <a:solidFill>
+                <a:schemeClr val="bg1"/>
+              </a:solidFill>
+            </a:endParaRPr>
+          </a:p>
+          <a:p>
+            <a:pPr>
+              <a:buNone/>
+            </a:pPr>
+            <a:r>
+              <a:rPr lang="en-US" sz="2000" dirty="0" smtClean="0">
+                <a:solidFill>
+                  <a:schemeClr val="bg1"/>
+                </a:solidFill>
+              </a:rPr>
+              <a:t>A </a:t>
+            </a:r>
+            <a:r>
+              <a:rPr lang="en-US" sz="2000" dirty="0" smtClean="0">
+                <a:solidFill>
+                  <a:schemeClr val="bg1"/>
+                </a:solidFill>
+              </a:rPr>
+              <a:t>Python 2D plotting library which produces publication quality figures in a variety of hardcopy formats and interactive environments across platforms. </a:t>
+            </a:r>
+            <a:endParaRPr lang="en-US" sz="2000" dirty="0" smtClean="0">
+              <a:solidFill>
+                <a:schemeClr val="bg1"/>
+              </a:solidFill>
+            </a:endParaRPr>
+          </a:p>
+          <a:p>
+            <a:pPr>
+              <a:buNone/>
+            </a:pPr>
+            <a:endParaRPr lang="en-US" sz="2000" dirty="0" smtClean="0">
+              <a:solidFill>
+                <a:schemeClr val="bg1"/>
+              </a:solidFill>
+            </a:endParaRPr>
+          </a:p>
+          <a:p>
+            <a:pPr>
+              <a:buFont typeface="Arial" pitchFamily="34" charset="0"/>
+              <a:buChar char="•"/>
+            </a:pPr>
+            <a:r>
+              <a:rPr lang="en-US" sz="2000" dirty="0" smtClean="0">
+                <a:solidFill>
+                  <a:schemeClr val="bg1"/>
+                </a:solidFill>
+              </a:rPr>
+              <a:t>Various types of data visualization </a:t>
+            </a:r>
+            <a:r>
+              <a:rPr lang="en-US" sz="2000" dirty="0" err="1" smtClean="0">
+                <a:solidFill>
+                  <a:schemeClr val="bg1"/>
+                </a:solidFill>
+              </a:rPr>
+              <a:t>matpolotlib</a:t>
+            </a:r>
+            <a:r>
+              <a:rPr lang="en-US" sz="2000" dirty="0" smtClean="0">
+                <a:solidFill>
+                  <a:schemeClr val="bg1"/>
+                </a:solidFill>
+              </a:rPr>
+              <a:t> provides are :</a:t>
+            </a:r>
+          </a:p>
+          <a:p>
+            <a:pPr lvl="1">
+              <a:buFont typeface="Arial" pitchFamily="34" charset="0"/>
+              <a:buChar char="•"/>
+            </a:pPr>
+            <a:r>
+              <a:rPr lang="en-US" sz="1600" dirty="0" smtClean="0">
+                <a:solidFill>
+                  <a:schemeClr val="bg1"/>
+                </a:solidFill>
+              </a:rPr>
+              <a:t>Lines, bars and markers</a:t>
+            </a:r>
+          </a:p>
+          <a:p>
+            <a:pPr lvl="1">
+              <a:buFont typeface="Arial" pitchFamily="34" charset="0"/>
+              <a:buChar char="•"/>
+            </a:pPr>
+            <a:r>
+              <a:rPr lang="en-US" sz="1600" dirty="0" smtClean="0">
+                <a:solidFill>
+                  <a:schemeClr val="bg1"/>
+                </a:solidFill>
+              </a:rPr>
+              <a:t>Images, contours &amp; fields</a:t>
+            </a:r>
+          </a:p>
+          <a:p>
+            <a:pPr lvl="1">
+              <a:buFont typeface="Arial" pitchFamily="34" charset="0"/>
+              <a:buChar char="•"/>
+            </a:pPr>
+            <a:r>
+              <a:rPr lang="en-US" sz="1600" dirty="0" smtClean="0">
+                <a:solidFill>
+                  <a:schemeClr val="bg1"/>
+                </a:solidFill>
+              </a:rPr>
+              <a:t>Pie &amp; polar charts</a:t>
+            </a:r>
+          </a:p>
+          <a:p>
+            <a:pPr lvl="1">
+              <a:buFont typeface="Arial" pitchFamily="34" charset="0"/>
+              <a:buChar char="•"/>
+            </a:pPr>
+            <a:r>
+              <a:rPr lang="en-US" sz="1600" dirty="0" smtClean="0">
+                <a:solidFill>
+                  <a:schemeClr val="bg1"/>
+                </a:solidFill>
+              </a:rPr>
+              <a:t>Statistical level Plotting &amp; many more..</a:t>
+            </a:r>
+          </a:p>
+          <a:p>
+            <a:pPr>
+              <a:buFont typeface="Arial" pitchFamily="34" charset="0"/>
+              <a:buChar char="•"/>
+            </a:pPr>
+            <a:endParaRPr lang="en-US" sz="2000" dirty="0" smtClean="0">
+              <a:solidFill>
+                <a:schemeClr val="bg1"/>
+              </a:solidFill>
+            </a:endParaRPr>
+          </a:p>
+          <a:p>
+            <a:pPr>
+              <a:buFont typeface="Arial" pitchFamily="34" charset="0"/>
+              <a:buChar char="•"/>
+            </a:pPr>
+            <a:r>
+              <a:rPr lang="en-US" sz="2000" dirty="0" smtClean="0">
+                <a:solidFill>
+                  <a:schemeClr val="bg1"/>
+                </a:solidFill>
+              </a:rPr>
+              <a:t>Visit : </a:t>
+            </a:r>
+            <a:r>
+              <a:rPr lang="en-US" sz="2000" dirty="0" smtClean="0">
+                <a:solidFill>
+                  <a:schemeClr val="bg1"/>
+                </a:solidFill>
+                <a:hlinkClick r:id="rId2"/>
+              </a:rPr>
+              <a:t>https://matplotlib.org/gallery/index.html</a:t>
+            </a:r>
+            <a:endParaRPr lang="en-US" sz="2000" dirty="0" smtClean="0">
+              <a:solidFill>
+                <a:schemeClr val="bg1"/>
+              </a:solidFill>
+            </a:endParaRPr>
+          </a:p>
+          <a:p>
+            <a:endParaRPr lang="en-US" sz="2000" dirty="0" smtClean="0">
+              <a:solidFill>
+                <a:schemeClr val="bg1"/>
+              </a:solidFill>
+            </a:endParaRPr>
+          </a:p>
+        </p:txBody>
+      </p:sp>
       <p:pic>
         <p:nvPicPr>
-          <p:cNvPr id="5122" name="Picture 2"/>
+          <p:cNvPr id="6" name="Picture 2" descr="https://lh3.googleusercontent.com/O-hbxGD53xSi_JS9j2V5QlQeIwvoJJ3LsBJduxPegPrvtBeSg8hMKUxGpwhLTRGNcmbF9w=s170"/>
           <p:cNvPicPr>
             <a:picLocks noChangeAspect="1" noChangeArrowheads="1"/>
           </p:cNvPicPr>
@@ -4725,23 +5930,177 @@
         </p:blipFill>
         <p:spPr bwMode="auto">
           <a:xfrm>
-            <a:off x="6819900" y="5867400"/>
-            <a:ext cx="2324100" cy="990600"/>
+            <a:off x="2743200" y="609600"/>
+            <a:ext cx="3510116" cy="640080"/>
           </a:xfrm>
           <a:prstGeom prst="rect">
             <a:avLst/>
           </a:prstGeom>
           <a:noFill/>
-          <a:ln w="9525">
-            <a:noFill/>
-            <a:miter lim="800000"/>
-            <a:headEnd/>
-            <a:tailEnd/>
-          </a:ln>
-          <a:effectLst/>
+        </p:spPr>
+      </p:pic>
+      <p:pic>
+        <p:nvPicPr>
+          <p:cNvPr id="25602" name="Picture 2" descr="https://lh3.googleusercontent.com/AGPLB4S76k5DNFa1DCfzND6s6SMIaLOOF0UY-qvpWopDdzys01QaG-aru3uC0QLUIMq6_Oc=s113"/>
+          <p:cNvPicPr>
+            <a:picLocks noChangeAspect="1" noChangeArrowheads="1"/>
+          </p:cNvPicPr>
+          <p:nvPr/>
+        </p:nvPicPr>
+        <p:blipFill>
+          <a:blip r:embed="rId4"/>
+          <a:srcRect/>
+          <a:stretch>
+            <a:fillRect/>
+          </a:stretch>
+        </p:blipFill>
+        <p:spPr bwMode="auto">
+          <a:xfrm>
+            <a:off x="533400" y="5257800"/>
+            <a:ext cx="1076325" cy="809626"/>
+          </a:xfrm>
+          <a:prstGeom prst="rect">
+            <a:avLst/>
+          </a:prstGeom>
+          <a:noFill/>
+        </p:spPr>
+      </p:pic>
+      <p:pic>
+        <p:nvPicPr>
+          <p:cNvPr id="25604" name="Picture 4" descr="https://lh3.googleusercontent.com/uV7y2D-5XCVq6pYfJ9s9IHmvsSwGWdhcARoxqdZlSfvbq8UPG_Ypxz-hpsqefYoL9eH3og=s170"/>
+          <p:cNvPicPr>
+            <a:picLocks noChangeAspect="1" noChangeArrowheads="1"/>
+          </p:cNvPicPr>
+          <p:nvPr/>
+        </p:nvPicPr>
+        <p:blipFill>
+          <a:blip r:embed="rId5"/>
+          <a:srcRect/>
+          <a:stretch>
+            <a:fillRect/>
+          </a:stretch>
+        </p:blipFill>
+        <p:spPr bwMode="auto">
+          <a:xfrm>
+            <a:off x="1828800" y="5486400"/>
+            <a:ext cx="1619250" cy="542926"/>
+          </a:xfrm>
+          <a:prstGeom prst="rect">
+            <a:avLst/>
+          </a:prstGeom>
+          <a:noFill/>
+        </p:spPr>
+      </p:pic>
+      <p:pic>
+        <p:nvPicPr>
+          <p:cNvPr id="25606" name="Picture 6" descr="https://lh3.googleusercontent.com/hR_CQc9BaTDTxwKixGpETn_T_yILUKdS_selSig7Kvni9-oZV86b2iTOzy551xrVv9aR4xE=s113"/>
+          <p:cNvPicPr>
+            <a:picLocks noChangeAspect="1" noChangeArrowheads="1"/>
+          </p:cNvPicPr>
+          <p:nvPr/>
+        </p:nvPicPr>
+        <p:blipFill>
+          <a:blip r:embed="rId6"/>
+          <a:srcRect/>
+          <a:stretch>
+            <a:fillRect/>
+          </a:stretch>
+        </p:blipFill>
+        <p:spPr bwMode="auto">
+          <a:xfrm>
+            <a:off x="3657600" y="5257800"/>
+            <a:ext cx="1076325" cy="809626"/>
+          </a:xfrm>
+          <a:prstGeom prst="rect">
+            <a:avLst/>
+          </a:prstGeom>
+          <a:noFill/>
+        </p:spPr>
+      </p:pic>
+      <p:pic>
+        <p:nvPicPr>
+          <p:cNvPr id="25608" name="Picture 8" descr="https://lh3.googleusercontent.com/o5XrKxGggymQhFQMDjJz6kDGM75iT2yzBuNEpebLEQpPBnWMPncTpshpSHeLX_A_rutCMw=s113"/>
+          <p:cNvPicPr>
+            <a:picLocks noChangeAspect="1" noChangeArrowheads="1"/>
+          </p:cNvPicPr>
+          <p:nvPr/>
+        </p:nvPicPr>
+        <p:blipFill>
+          <a:blip r:embed="rId7"/>
+          <a:srcRect/>
+          <a:stretch>
+            <a:fillRect/>
+          </a:stretch>
+        </p:blipFill>
+        <p:spPr bwMode="auto">
+          <a:xfrm>
+            <a:off x="4876800" y="5257800"/>
+            <a:ext cx="1076325" cy="809626"/>
+          </a:xfrm>
+          <a:prstGeom prst="rect">
+            <a:avLst/>
+          </a:prstGeom>
+          <a:noFill/>
+        </p:spPr>
+      </p:pic>
+      <p:pic>
+        <p:nvPicPr>
+          <p:cNvPr id="25609" name="Picture 9" descr="C:\Users\hi\Desktop\1.png"/>
+          <p:cNvPicPr>
+            <a:picLocks noChangeAspect="1" noChangeArrowheads="1"/>
+          </p:cNvPicPr>
+          <p:nvPr/>
+        </p:nvPicPr>
+        <p:blipFill>
+          <a:blip r:embed="rId8"/>
+          <a:srcRect/>
+          <a:stretch>
+            <a:fillRect/>
+          </a:stretch>
+        </p:blipFill>
+        <p:spPr bwMode="auto">
+          <a:xfrm>
+            <a:off x="8458200" y="5943600"/>
+            <a:ext cx="523875" cy="523875"/>
+          </a:xfrm>
+          <a:prstGeom prst="rect">
+            <a:avLst/>
+          </a:prstGeom>
+          <a:noFill/>
+        </p:spPr>
+      </p:pic>
+      <p:pic>
+        <p:nvPicPr>
+          <p:cNvPr id="25610" name="Picture 10" descr="C:\Users\hi\Desktop\2.png"/>
+          <p:cNvPicPr>
+            <a:picLocks noChangeAspect="1" noChangeArrowheads="1"/>
+          </p:cNvPicPr>
+          <p:nvPr/>
+        </p:nvPicPr>
+        <p:blipFill>
+          <a:blip r:embed="rId9"/>
+          <a:srcRect/>
+          <a:stretch>
+            <a:fillRect/>
+          </a:stretch>
+        </p:blipFill>
+        <p:spPr bwMode="auto">
+          <a:xfrm>
+            <a:off x="6819900" y="6353175"/>
+            <a:ext cx="2324100" cy="504825"/>
+          </a:xfrm>
+          <a:prstGeom prst="rect">
+            <a:avLst/>
+          </a:prstGeom>
+          <a:noFill/>
         </p:spPr>
       </p:pic>
     </p:spTree>
+    <p:extLst>
+      <p:ext uri="{BB962C8B-B14F-4D97-AF65-F5344CB8AC3E}">
+        <p14:creationId xmlns="" xmlns:p14="http://schemas.microsoft.com/office/powerpoint/2010/main" val="4032476198"/>
+      </p:ext>
+    </p:extLst>
   </p:cSld>
   <p:clrMapOvr>
     <a:masterClrMapping/>
@@ -4773,161 +6132,9 @@
           <a:chExt cx="0" cy="0"/>
         </a:xfrm>
       </p:grpSpPr>
-      <p:sp>
-        <p:nvSpPr>
-          <p:cNvPr id="2" name="Title 1"/>
-          <p:cNvSpPr>
-            <a:spLocks noGrp="1"/>
-          </p:cNvSpPr>
-          <p:nvPr>
-            <p:ph type="title"/>
-          </p:nvPr>
-        </p:nvSpPr>
-        <p:spPr/>
-        <p:txBody>
-          <a:bodyPr>
-            <a:normAutofit/>
-          </a:bodyPr>
-          <a:lstStyle/>
-          <a:p>
-            <a:r>
-              <a:rPr lang="en-US" dirty="0" err="1" smtClean="0"/>
-              <a:t>Seaborn</a:t>
-            </a:r>
-            <a:endParaRPr lang="en-US" dirty="0"/>
-          </a:p>
-        </p:txBody>
-      </p:sp>
-      <p:sp>
-        <p:nvSpPr>
-          <p:cNvPr id="3" name="Content Placeholder 2"/>
-          <p:cNvSpPr>
-            <a:spLocks noGrp="1"/>
-          </p:cNvSpPr>
-          <p:nvPr>
-            <p:ph idx="1"/>
-          </p:nvPr>
-        </p:nvSpPr>
-        <p:spPr/>
-        <p:txBody>
-          <a:bodyPr>
-            <a:normAutofit/>
-          </a:bodyPr>
-          <a:lstStyle/>
-          <a:p>
-            <a:pPr>
-              <a:buNone/>
-            </a:pPr>
-            <a:r>
-              <a:rPr lang="en-US" sz="2000" dirty="0" smtClean="0">
-                <a:solidFill>
-                  <a:schemeClr val="tx2">
-                    <a:lumMod val="75000"/>
-                  </a:schemeClr>
-                </a:solidFill>
-              </a:rPr>
-              <a:t>Python </a:t>
-            </a:r>
-            <a:r>
-              <a:rPr lang="en-US" sz="2000" dirty="0" smtClean="0">
-                <a:solidFill>
-                  <a:schemeClr val="tx2">
-                    <a:lumMod val="75000"/>
-                  </a:schemeClr>
-                </a:solidFill>
-              </a:rPr>
-              <a:t>visualization library based on </a:t>
-            </a:r>
-            <a:r>
-              <a:rPr lang="en-US" sz="2000" dirty="0" err="1" smtClean="0">
-                <a:solidFill>
-                  <a:schemeClr val="tx2">
-                    <a:lumMod val="75000"/>
-                  </a:schemeClr>
-                </a:solidFill>
-              </a:rPr>
-              <a:t>matplotlib</a:t>
-            </a:r>
-            <a:r>
-              <a:rPr lang="en-US" sz="2000" dirty="0" smtClean="0">
-                <a:solidFill>
-                  <a:schemeClr val="tx2">
-                    <a:lumMod val="75000"/>
-                  </a:schemeClr>
-                </a:solidFill>
-              </a:rPr>
-              <a:t>. It provides a high-level interface for drawing attractive statistical graphics. It was originally developed at Stanford University and is widely used for plotting and visualizing data. There are several advantages:</a:t>
-            </a:r>
-          </a:p>
-          <a:p>
-            <a:r>
-              <a:rPr lang="en-US" sz="2000" dirty="0" smtClean="0">
-                <a:solidFill>
-                  <a:schemeClr val="tx2">
-                    <a:lumMod val="75000"/>
-                  </a:schemeClr>
-                </a:solidFill>
-              </a:rPr>
-              <a:t>It possesses built-in themes for better visualizations.</a:t>
-            </a:r>
-          </a:p>
-          <a:p>
-            <a:r>
-              <a:rPr lang="en-US" sz="2000" dirty="0" smtClean="0">
-                <a:solidFill>
-                  <a:schemeClr val="tx2">
-                    <a:lumMod val="75000"/>
-                  </a:schemeClr>
-                </a:solidFill>
-              </a:rPr>
-              <a:t>It has tools built in statistical functions which reveal hidden patterns in the data set.</a:t>
-            </a:r>
-          </a:p>
-          <a:p>
-            <a:r>
-              <a:rPr lang="en-US" sz="2000" dirty="0" smtClean="0">
-                <a:solidFill>
-                  <a:schemeClr val="tx2">
-                    <a:lumMod val="75000"/>
-                  </a:schemeClr>
-                </a:solidFill>
-              </a:rPr>
-              <a:t>It has functions to visualize matrices of data which become very important when visualizing large data sets.</a:t>
-            </a:r>
-          </a:p>
-          <a:p>
-            <a:r>
-              <a:rPr lang="en-US" sz="2000" dirty="0" smtClean="0"/>
-              <a:t>Visit : </a:t>
-            </a:r>
-            <a:r>
-              <a:rPr lang="en-US" sz="2000" dirty="0" smtClean="0">
-                <a:hlinkClick r:id="rId2"/>
-              </a:rPr>
-              <a:t>https://seaborn.pydata.org/examples/index.html</a:t>
-            </a:r>
-            <a:endParaRPr lang="en-US" sz="2000" dirty="0" smtClean="0">
-              <a:solidFill>
-                <a:schemeClr val="tx2">
-                  <a:lumMod val="75000"/>
-                </a:schemeClr>
-              </a:solidFill>
-            </a:endParaRPr>
-          </a:p>
-          <a:p>
-            <a:endParaRPr lang="en-US" sz="2000" dirty="0" smtClean="0">
-              <a:solidFill>
-                <a:schemeClr val="tx2">
-                  <a:lumMod val="75000"/>
-                </a:schemeClr>
-              </a:solidFill>
-            </a:endParaRPr>
-          </a:p>
-        </p:txBody>
-      </p:sp>
       <p:cxnSp>
         <p:nvCxnSpPr>
-          <p:cNvPr id="5" name="Straight Connector 4"/>
+          <p:cNvPr id="8" name="Straight Connector 7"/>
           <p:cNvCxnSpPr/>
           <p:nvPr/>
         </p:nvCxnSpPr>
@@ -4939,6 +6146,11 @@
           <a:prstGeom prst="line">
             <a:avLst/>
           </a:prstGeom>
+          <a:ln>
+            <a:solidFill>
+              <a:schemeClr val="tx1"/>
+            </a:solidFill>
+          </a:ln>
         </p:spPr>
         <p:style>
           <a:lnRef idx="1">
@@ -4957,7 +6169,404 @@
       </p:cxnSp>
       <p:pic>
         <p:nvPicPr>
-          <p:cNvPr id="5122" name="Picture 2"/>
+          <p:cNvPr id="9" name="Picture 3"/>
+          <p:cNvPicPr>
+            <a:picLocks noChangeAspect="1" noChangeArrowheads="1"/>
+          </p:cNvPicPr>
+          <p:nvPr/>
+        </p:nvPicPr>
+        <p:blipFill>
+          <a:blip r:embed="rId2"/>
+          <a:srcRect/>
+          <a:stretch>
+            <a:fillRect/>
+          </a:stretch>
+        </p:blipFill>
+        <p:spPr bwMode="auto">
+          <a:xfrm>
+            <a:off x="6096000" y="5867400"/>
+            <a:ext cx="2324100" cy="990600"/>
+          </a:xfrm>
+          <a:prstGeom prst="rect">
+            <a:avLst/>
+          </a:prstGeom>
+          <a:noFill/>
+          <a:ln w="9525">
+            <a:solidFill>
+              <a:schemeClr val="tx1"/>
+            </a:solidFill>
+            <a:miter lim="800000"/>
+            <a:headEnd/>
+            <a:tailEnd/>
+          </a:ln>
+          <a:effectLst/>
+        </p:spPr>
+      </p:pic>
+      <p:sp>
+        <p:nvSpPr>
+          <p:cNvPr id="10" name="Content Placeholder 2"/>
+          <p:cNvSpPr txBox="1">
+            <a:spLocks/>
+          </p:cNvSpPr>
+          <p:nvPr/>
+        </p:nvSpPr>
+        <p:spPr>
+          <a:xfrm>
+            <a:off x="457200" y="1600200"/>
+            <a:ext cx="8229600" cy="4525963"/>
+          </a:xfrm>
+          <a:prstGeom prst="rect">
+            <a:avLst/>
+          </a:prstGeom>
+        </p:spPr>
+        <p:txBody>
+          <a:bodyPr>
+            <a:normAutofit/>
+          </a:bodyPr>
+          <a:lstStyle/>
+          <a:p>
+            <a:pPr>
+              <a:buNone/>
+            </a:pPr>
+            <a:endParaRPr lang="en-US" sz="2000" dirty="0" smtClean="0">
+              <a:solidFill>
+                <a:schemeClr val="bg1"/>
+              </a:solidFill>
+            </a:endParaRPr>
+          </a:p>
+          <a:p>
+            <a:pPr>
+              <a:buNone/>
+            </a:pPr>
+            <a:r>
+              <a:rPr lang="en-US" sz="2000" dirty="0" smtClean="0">
+                <a:solidFill>
+                  <a:schemeClr val="bg1"/>
+                </a:solidFill>
+              </a:rPr>
+              <a:t>Python </a:t>
+            </a:r>
+            <a:r>
+              <a:rPr lang="en-US" sz="2000" dirty="0" smtClean="0">
+                <a:solidFill>
+                  <a:schemeClr val="bg1"/>
+                </a:solidFill>
+              </a:rPr>
+              <a:t>visualization library based on </a:t>
+            </a:r>
+            <a:r>
+              <a:rPr lang="en-US" sz="2000" dirty="0" err="1" smtClean="0">
+                <a:solidFill>
+                  <a:schemeClr val="bg1"/>
+                </a:solidFill>
+              </a:rPr>
+              <a:t>matplotlib</a:t>
+            </a:r>
+            <a:r>
+              <a:rPr lang="en-US" sz="2000" dirty="0" smtClean="0">
+                <a:solidFill>
+                  <a:schemeClr val="bg1"/>
+                </a:solidFill>
+              </a:rPr>
+              <a:t>. It provides a high-level interface for drawing attractive statistical graphics. It was originally developed at Stanford University and is widely used for plotting and visualizing data. </a:t>
+            </a:r>
+            <a:endParaRPr lang="en-US" sz="2000" dirty="0" smtClean="0">
+              <a:solidFill>
+                <a:schemeClr val="bg1"/>
+              </a:solidFill>
+            </a:endParaRPr>
+          </a:p>
+          <a:p>
+            <a:pPr>
+              <a:buNone/>
+            </a:pPr>
+            <a:endParaRPr lang="en-US" sz="2000" dirty="0" smtClean="0">
+              <a:solidFill>
+                <a:schemeClr val="bg1"/>
+              </a:solidFill>
+            </a:endParaRPr>
+          </a:p>
+          <a:p>
+            <a:pPr>
+              <a:buNone/>
+            </a:pPr>
+            <a:r>
+              <a:rPr lang="en-US" sz="2000" dirty="0" smtClean="0">
+                <a:solidFill>
+                  <a:schemeClr val="bg1"/>
+                </a:solidFill>
+              </a:rPr>
+              <a:t>There </a:t>
+            </a:r>
+            <a:r>
+              <a:rPr lang="en-US" sz="2000" dirty="0" smtClean="0">
+                <a:solidFill>
+                  <a:schemeClr val="bg1"/>
+                </a:solidFill>
+              </a:rPr>
+              <a:t>are several advantages:</a:t>
+            </a:r>
+          </a:p>
+          <a:p>
+            <a:pPr>
+              <a:buFont typeface="Arial" pitchFamily="34" charset="0"/>
+              <a:buChar char="•"/>
+            </a:pPr>
+            <a:r>
+              <a:rPr lang="en-US" sz="2000" dirty="0" smtClean="0">
+                <a:solidFill>
+                  <a:schemeClr val="bg1"/>
+                </a:solidFill>
+              </a:rPr>
+              <a:t>It possesses built-in themes for better visualizations.</a:t>
+            </a:r>
+          </a:p>
+          <a:p>
+            <a:pPr>
+              <a:buFont typeface="Arial" pitchFamily="34" charset="0"/>
+              <a:buChar char="•"/>
+            </a:pPr>
+            <a:r>
+              <a:rPr lang="en-US" sz="2000" dirty="0" smtClean="0">
+                <a:solidFill>
+                  <a:schemeClr val="bg1"/>
+                </a:solidFill>
+              </a:rPr>
+              <a:t>It has tools built in statistical functions which reveal hidden patterns in </a:t>
+            </a:r>
+            <a:r>
+              <a:rPr lang="en-US" sz="2000" dirty="0" smtClean="0">
+                <a:solidFill>
+                  <a:schemeClr val="bg1"/>
+                </a:solidFill>
+              </a:rPr>
+              <a:t>the data </a:t>
+            </a:r>
+            <a:r>
+              <a:rPr lang="en-US" sz="2000" dirty="0" smtClean="0">
+                <a:solidFill>
+                  <a:schemeClr val="bg1"/>
+                </a:solidFill>
+              </a:rPr>
+              <a:t>set.</a:t>
+            </a:r>
+          </a:p>
+          <a:p>
+            <a:pPr>
+              <a:buFont typeface="Arial" pitchFamily="34" charset="0"/>
+              <a:buChar char="•"/>
+            </a:pPr>
+            <a:r>
+              <a:rPr lang="en-US" sz="2000" dirty="0" smtClean="0">
+                <a:solidFill>
+                  <a:schemeClr val="bg1"/>
+                </a:solidFill>
+              </a:rPr>
+              <a:t>It has functions to visualize matrices of data which become very important when visualizing large data sets</a:t>
+            </a:r>
+            <a:r>
+              <a:rPr lang="en-US" sz="2000" dirty="0" smtClean="0">
+                <a:solidFill>
+                  <a:schemeClr val="bg1"/>
+                </a:solidFill>
+              </a:rPr>
+              <a:t>.</a:t>
+            </a:r>
+          </a:p>
+          <a:p>
+            <a:pPr>
+              <a:buFont typeface="Arial" pitchFamily="34" charset="0"/>
+              <a:buChar char="•"/>
+            </a:pPr>
+            <a:endParaRPr lang="en-US" sz="2000" dirty="0" smtClean="0">
+              <a:solidFill>
+                <a:schemeClr val="bg1"/>
+              </a:solidFill>
+            </a:endParaRPr>
+          </a:p>
+          <a:p>
+            <a:r>
+              <a:rPr lang="en-US" sz="2000" dirty="0" smtClean="0">
+                <a:solidFill>
+                  <a:schemeClr val="bg1"/>
+                </a:solidFill>
+              </a:rPr>
+              <a:t>Visit : </a:t>
+            </a:r>
+            <a:r>
+              <a:rPr lang="en-US" sz="2000" dirty="0" smtClean="0">
+                <a:solidFill>
+                  <a:schemeClr val="bg1"/>
+                </a:solidFill>
+                <a:hlinkClick r:id="rId3"/>
+              </a:rPr>
+              <a:t>https://seaborn.pydata.org/examples/index.html</a:t>
+            </a:r>
+            <a:endParaRPr lang="en-US" sz="2000" dirty="0" smtClean="0">
+              <a:solidFill>
+                <a:schemeClr val="bg1"/>
+              </a:solidFill>
+            </a:endParaRPr>
+          </a:p>
+          <a:p>
+            <a:endParaRPr lang="en-US" sz="2000" dirty="0" smtClean="0">
+              <a:solidFill>
+                <a:schemeClr val="bg1"/>
+              </a:solidFill>
+            </a:endParaRPr>
+          </a:p>
+        </p:txBody>
+      </p:sp>
+      <p:pic>
+        <p:nvPicPr>
+          <p:cNvPr id="7" name="Picture 4"/>
+          <p:cNvPicPr>
+            <a:picLocks noChangeAspect="1" noChangeArrowheads="1"/>
+          </p:cNvPicPr>
+          <p:nvPr/>
+        </p:nvPicPr>
+        <p:blipFill>
+          <a:blip r:embed="rId4"/>
+          <a:srcRect/>
+          <a:stretch>
+            <a:fillRect/>
+          </a:stretch>
+        </p:blipFill>
+        <p:spPr bwMode="auto">
+          <a:xfrm>
+            <a:off x="3429000" y="609600"/>
+            <a:ext cx="2030600" cy="640080"/>
+          </a:xfrm>
+          <a:prstGeom prst="rect">
+            <a:avLst/>
+          </a:prstGeom>
+          <a:noFill/>
+          <a:ln w="9525">
+            <a:noFill/>
+            <a:miter lim="800000"/>
+            <a:headEnd/>
+            <a:tailEnd/>
+          </a:ln>
+          <a:effectLst/>
+        </p:spPr>
+      </p:pic>
+    </p:spTree>
+    <p:extLst>
+      <p:ext uri="{BB962C8B-B14F-4D97-AF65-F5344CB8AC3E}">
+        <p14:creationId xmlns="" xmlns:p14="http://schemas.microsoft.com/office/powerpoint/2010/main" val="4032476198"/>
+      </p:ext>
+    </p:extLst>
+  </p:cSld>
+  <p:clrMapOvr>
+    <a:masterClrMapping/>
+  </p:clrMapOvr>
+  <p:timing>
+    <p:tnLst>
+      <p:par>
+        <p:cTn id="1" dur="indefinite" restart="never" nodeType="tmRoot"/>
+      </p:par>
+    </p:tnLst>
+  </p:timing>
+</p:sld>
+</file>
+
+<file path=ppt/slides/slide8.xml><?xml version="1.0" encoding="utf-8"?>
+<p:sld xmlns:a="http://schemas.openxmlformats.org/drawingml/2006/main" xmlns:r="http://schemas.openxmlformats.org/officeDocument/2006/relationships" xmlns:p="http://schemas.openxmlformats.org/presentationml/2006/main">
+  <p:cSld>
+    <p:spTree>
+      <p:nvGrpSpPr>
+        <p:cNvPr id="1" name=""/>
+        <p:cNvGrpSpPr/>
+        <p:nvPr/>
+      </p:nvGrpSpPr>
+      <p:grpSpPr>
+        <a:xfrm>
+          <a:off x="0" y="0"/>
+          <a:ext cx="0" cy="0"/>
+          <a:chOff x="0" y="0"/>
+          <a:chExt cx="0" cy="0"/>
+        </a:xfrm>
+      </p:grpSpPr>
+      <p:sp>
+        <p:nvSpPr>
+          <p:cNvPr id="4" name="TextBox 3">
+            <a:extLst>
+              <a:ext uri="{FF2B5EF4-FFF2-40B4-BE49-F238E27FC236}">
+                <a16:creationId xmlns="" xmlns:a16="http://schemas.microsoft.com/office/drawing/2014/main" id="{DF691C40-340A-44BC-A6B3-C3A20A9ED913}"/>
+              </a:ext>
+            </a:extLst>
+          </p:cNvPr>
+          <p:cNvSpPr txBox="1"/>
+          <p:nvPr/>
+        </p:nvSpPr>
+        <p:spPr>
+          <a:xfrm>
+            <a:off x="2819400" y="2649826"/>
+            <a:ext cx="3443037" cy="923330"/>
+          </a:xfrm>
+          <a:prstGeom prst="rect">
+            <a:avLst/>
+          </a:prstGeom>
+          <a:noFill/>
+        </p:spPr>
+        <p:txBody>
+          <a:bodyPr wrap="square" rtlCol="0" anchor="ctr">
+            <a:spAutoFit/>
+          </a:bodyPr>
+          <a:lstStyle/>
+          <a:p>
+            <a:pPr algn="ctr"/>
+            <a:r>
+              <a:rPr lang="en-US" altLang="ko-KR" sz="5400" dirty="0">
+                <a:solidFill>
+                  <a:schemeClr val="accent1">
+                    <a:lumMod val="75000"/>
+                  </a:schemeClr>
+                </a:solidFill>
+                <a:cs typeface="Arial" pitchFamily="34" charset="0"/>
+              </a:rPr>
+              <a:t>Thank You</a:t>
+            </a:r>
+            <a:endParaRPr lang="ko-KR" altLang="en-US" sz="5400" dirty="0">
+              <a:solidFill>
+                <a:schemeClr val="accent1">
+                  <a:lumMod val="75000"/>
+                </a:schemeClr>
+              </a:solidFill>
+              <a:cs typeface="Arial" pitchFamily="34" charset="0"/>
+            </a:endParaRPr>
+          </a:p>
+        </p:txBody>
+      </p:sp>
+      <p:pic>
+        <p:nvPicPr>
+          <p:cNvPr id="3" name="Picture 9" descr="C:\Users\hi\Desktop\1.png"/>
+          <p:cNvPicPr>
+            <a:picLocks noChangeAspect="1" noChangeArrowheads="1"/>
+          </p:cNvPicPr>
+          <p:nvPr/>
+        </p:nvPicPr>
+        <p:blipFill>
+          <a:blip r:embed="rId2"/>
+          <a:srcRect/>
+          <a:stretch>
+            <a:fillRect/>
+          </a:stretch>
+        </p:blipFill>
+        <p:spPr bwMode="auto">
+          <a:xfrm>
+            <a:off x="7772400" y="5867400"/>
+            <a:ext cx="523875" cy="523875"/>
+          </a:xfrm>
+          <a:prstGeom prst="rect">
+            <a:avLst/>
+          </a:prstGeom>
+          <a:noFill/>
+        </p:spPr>
+      </p:pic>
+      <p:pic>
+        <p:nvPicPr>
+          <p:cNvPr id="5" name="Picture 10" descr="C:\Users\hi\Desktop\2.png"/>
           <p:cNvPicPr>
             <a:picLocks noChangeAspect="1" noChangeArrowheads="1"/>
           </p:cNvPicPr>
@@ -4972,23 +6581,21 @@
         </p:blipFill>
         <p:spPr bwMode="auto">
           <a:xfrm>
-            <a:off x="6819900" y="5867400"/>
-            <a:ext cx="2324100" cy="990600"/>
+            <a:off x="6096000" y="6353175"/>
+            <a:ext cx="2324100" cy="504825"/>
           </a:xfrm>
           <a:prstGeom prst="rect">
             <a:avLst/>
           </a:prstGeom>
           <a:noFill/>
-          <a:ln w="9525">
-            <a:noFill/>
-            <a:miter lim="800000"/>
-            <a:headEnd/>
-            <a:tailEnd/>
-          </a:ln>
-          <a:effectLst/>
         </p:spPr>
       </p:pic>
     </p:spTree>
+    <p:extLst>
+      <p:ext uri="{BB962C8B-B14F-4D97-AF65-F5344CB8AC3E}">
+        <p14:creationId xmlns="" xmlns:p14="http://schemas.microsoft.com/office/powerpoint/2010/main" val="2582224218"/>
+      </p:ext>
+    </p:extLst>
   </p:cSld>
   <p:clrMapOvr>
     <a:masterClrMapping/>
